--- a/កិច្ចការផ្ទះ/កាយសរីរសាស្រ្ត/ឆ្អឹងកងគូទ.pptx
+++ b/កិច្ចការផ្ទះ/កាយសរីរសាស្រ្ត/ឆ្អឹងកងគូទ.pptx
@@ -6,14 +6,14 @@
   </p:sldMasterIdLst>
   <p:sldIdLst>
     <p:sldId id="256" r:id="rId2"/>
-    <p:sldId id="257" r:id="rId3"/>
-    <p:sldId id="258" r:id="rId4"/>
-    <p:sldId id="268" r:id="rId5"/>
-    <p:sldId id="259" r:id="rId6"/>
-    <p:sldId id="261" r:id="rId7"/>
-    <p:sldId id="262" r:id="rId8"/>
-    <p:sldId id="264" r:id="rId9"/>
-    <p:sldId id="265" r:id="rId10"/>
+    <p:sldId id="258" r:id="rId3"/>
+    <p:sldId id="268" r:id="rId4"/>
+    <p:sldId id="259" r:id="rId5"/>
+    <p:sldId id="261" r:id="rId6"/>
+    <p:sldId id="262" r:id="rId7"/>
+    <p:sldId id="264" r:id="rId8"/>
+    <p:sldId id="265" r:id="rId9"/>
+    <p:sldId id="269" r:id="rId10"/>
     <p:sldId id="266" r:id="rId11"/>
     <p:sldId id="267" r:id="rId12"/>
   </p:sldIdLst>
@@ -348,7 +348,7 @@
           <a:p>
             <a:fld id="{088E67BF-20CE-4E96-941B-30D2732375D5}" type="datetimeFigureOut">
               <a:rPr lang="en-US" smtClean="0"/>
-              <a:t>1/20/2023</a:t>
+              <a:t>1/27/2023</a:t>
             </a:fld>
             <a:endParaRPr lang="en-US"/>
           </a:p>
@@ -556,7 +556,7 @@
           <a:p>
             <a:fld id="{088E67BF-20CE-4E96-941B-30D2732375D5}" type="datetimeFigureOut">
               <a:rPr lang="en-US" smtClean="0"/>
-              <a:t>1/20/2023</a:t>
+              <a:t>1/27/2023</a:t>
             </a:fld>
             <a:endParaRPr lang="en-US"/>
           </a:p>
@@ -812,7 +812,7 @@
           <a:p>
             <a:fld id="{088E67BF-20CE-4E96-941B-30D2732375D5}" type="datetimeFigureOut">
               <a:rPr lang="en-US" smtClean="0"/>
-              <a:t>1/20/2023</a:t>
+              <a:t>1/27/2023</a:t>
             </a:fld>
             <a:endParaRPr lang="en-US"/>
           </a:p>
@@ -982,7 +982,7 @@
           <a:p>
             <a:fld id="{088E67BF-20CE-4E96-941B-30D2732375D5}" type="datetimeFigureOut">
               <a:rPr lang="en-US" smtClean="0"/>
-              <a:t>1/20/2023</a:t>
+              <a:t>1/27/2023</a:t>
             </a:fld>
             <a:endParaRPr lang="en-US"/>
           </a:p>
@@ -1325,7 +1325,7 @@
           <a:p>
             <a:fld id="{088E67BF-20CE-4E96-941B-30D2732375D5}" type="datetimeFigureOut">
               <a:rPr lang="en-US" smtClean="0"/>
-              <a:t>1/20/2023</a:t>
+              <a:t>1/27/2023</a:t>
             </a:fld>
             <a:endParaRPr lang="en-US"/>
           </a:p>
@@ -1600,7 +1600,7 @@
           <a:p>
             <a:fld id="{088E67BF-20CE-4E96-941B-30D2732375D5}" type="datetimeFigureOut">
               <a:rPr lang="en-US" smtClean="0"/>
-              <a:t>1/20/2023</a:t>
+              <a:t>1/27/2023</a:t>
             </a:fld>
             <a:endParaRPr lang="en-US"/>
           </a:p>
@@ -1979,7 +1979,7 @@
           <a:p>
             <a:fld id="{088E67BF-20CE-4E96-941B-30D2732375D5}" type="datetimeFigureOut">
               <a:rPr lang="en-US" smtClean="0"/>
-              <a:t>1/20/2023</a:t>
+              <a:t>1/27/2023</a:t>
             </a:fld>
             <a:endParaRPr lang="en-US"/>
           </a:p>
@@ -2097,7 +2097,7 @@
           <a:p>
             <a:fld id="{088E67BF-20CE-4E96-941B-30D2732375D5}" type="datetimeFigureOut">
               <a:rPr lang="en-US" smtClean="0"/>
-              <a:t>1/20/2023</a:t>
+              <a:t>1/27/2023</a:t>
             </a:fld>
             <a:endParaRPr lang="en-US"/>
           </a:p>
@@ -2268,7 +2268,7 @@
           <a:p>
             <a:fld id="{088E67BF-20CE-4E96-941B-30D2732375D5}" type="datetimeFigureOut">
               <a:rPr lang="en-US" smtClean="0"/>
-              <a:t>1/20/2023</a:t>
+              <a:t>1/27/2023</a:t>
             </a:fld>
             <a:endParaRPr lang="en-US"/>
           </a:p>
@@ -2622,7 +2622,7 @@
           <a:p>
             <a:fld id="{088E67BF-20CE-4E96-941B-30D2732375D5}" type="datetimeFigureOut">
               <a:rPr lang="en-US" smtClean="0"/>
-              <a:t>1/20/2023</a:t>
+              <a:t>1/27/2023</a:t>
             </a:fld>
             <a:endParaRPr lang="en-US"/>
           </a:p>
@@ -2999,7 +2999,7 @@
           <a:p>
             <a:fld id="{088E67BF-20CE-4E96-941B-30D2732375D5}" type="datetimeFigureOut">
               <a:rPr lang="en-US" smtClean="0"/>
-              <a:t>1/20/2023</a:t>
+              <a:t>1/27/2023</a:t>
             </a:fld>
             <a:endParaRPr lang="en-US"/>
           </a:p>
@@ -3286,7 +3286,7 @@
           <a:p>
             <a:fld id="{088E67BF-20CE-4E96-941B-30D2732375D5}" type="datetimeFigureOut">
               <a:rPr lang="en-US" smtClean="0"/>
-              <a:t>1/20/2023</a:t>
+              <a:t>1/27/2023</a:t>
             </a:fld>
             <a:endParaRPr lang="en-US"/>
           </a:p>
@@ -3817,13 +3817,13 @@
             <a:spLocks noGrp="1"/>
           </p:cNvSpPr>
           <p:nvPr>
-            <p:ph type="ctrTitle"/>
+            <p:ph type="ctrTitle" idx="4294967295"/>
           </p:nvPr>
         </p:nvSpPr>
         <p:spPr>
           <a:xfrm>
-            <a:off x="1108363" y="2867892"/>
-            <a:ext cx="6974379" cy="1052946"/>
+            <a:off x="858981" y="1741519"/>
+            <a:ext cx="5916613" cy="1052513"/>
           </a:xfrm>
         </p:spPr>
         <p:txBody>
@@ -3969,13 +3969,13 @@
             <a:spLocks noGrp="1"/>
           </p:cNvSpPr>
           <p:nvPr>
-            <p:ph type="subTitle" idx="1"/>
+            <p:ph type="subTitle" idx="4294967295"/>
           </p:nvPr>
         </p:nvSpPr>
         <p:spPr>
           <a:xfrm>
-            <a:off x="6844145" y="318656"/>
-            <a:ext cx="4904510" cy="969817"/>
+            <a:off x="6843712" y="313871"/>
+            <a:ext cx="4905375" cy="969963"/>
           </a:xfrm>
         </p:spPr>
         <p:txBody>
@@ -4052,7 +4052,7 @@
         </p:blipFill>
         <p:spPr>
           <a:xfrm>
-            <a:off x="8290558" y="1288473"/>
+            <a:off x="8470672" y="1283834"/>
             <a:ext cx="2011684" cy="335281"/>
           </a:xfrm>
           <a:prstGeom prst="rect">
@@ -4068,7 +4068,7 @@
           </p:cNvPicPr>
           <p:nvPr/>
         </p:nvPicPr>
-        <p:blipFill>
+        <p:blipFill rotWithShape="1">
           <a:blip r:embed="rId3" cstate="print">
             <a:extLst>
               <a:ext uri="{28A0092B-C50C-407E-A947-70E740481C1C}">
@@ -4076,20 +4076,222 @@
               </a:ext>
             </a:extLst>
           </a:blip>
-          <a:stretch>
-            <a:fillRect/>
-          </a:stretch>
+          <a:srcRect t="1793"/>
+          <a:stretch/>
         </p:blipFill>
         <p:spPr>
           <a:xfrm>
-            <a:off x="3221182" y="1288473"/>
-            <a:ext cx="1544782" cy="1544782"/>
+            <a:off x="2996135" y="581337"/>
+            <a:ext cx="1181372" cy="1160182"/>
           </a:xfrm>
           <a:prstGeom prst="rect">
             <a:avLst/>
           </a:prstGeom>
         </p:spPr>
       </p:pic>
+      <p:sp>
+        <p:nvSpPr>
+          <p:cNvPr id="7" name="Rectangle 6"/>
+          <p:cNvSpPr/>
+          <p:nvPr/>
+        </p:nvSpPr>
+        <p:spPr>
+          <a:xfrm>
+            <a:off x="1108364" y="4574370"/>
+            <a:ext cx="3635932" cy="461665"/>
+          </a:xfrm>
+          <a:prstGeom prst="rect">
+            <a:avLst/>
+          </a:prstGeom>
+        </p:spPr>
+        <p:txBody>
+          <a:bodyPr wrap="none">
+            <a:spAutoFit/>
+          </a:bodyPr>
+          <a:lstStyle/>
+          <a:p>
+            <a:r>
+              <a:rPr lang="km-KH" sz="2400" dirty="0">
+                <a:latin typeface="Khmer OS Moul" panose="02000500000000000000" pitchFamily="2" charset="0"/>
+                <a:cs typeface="Khmer OS Moul" panose="02000500000000000000" pitchFamily="2" charset="0"/>
+              </a:rPr>
+              <a:t>គ្រូឧទេ្ទស ៖ ឈិត ធារិទ្ធី </a:t>
+            </a:r>
+            <a:endParaRPr lang="km-KH" sz="2400" dirty="0">
+              <a:latin typeface="Khmer OS Moul" panose="02000500000000000000" pitchFamily="2" charset="0"/>
+              <a:cs typeface="Khmer OS Moul" panose="02000500000000000000" pitchFamily="2" charset="0"/>
+            </a:endParaRPr>
+          </a:p>
+        </p:txBody>
+      </p:sp>
+      <p:sp>
+        <p:nvSpPr>
+          <p:cNvPr id="8" name="Rectangle 7"/>
+          <p:cNvSpPr/>
+          <p:nvPr/>
+        </p:nvSpPr>
+        <p:spPr>
+          <a:xfrm>
+            <a:off x="858982" y="3014025"/>
+            <a:ext cx="10432473" cy="1154162"/>
+          </a:xfrm>
+          <a:prstGeom prst="rect">
+            <a:avLst/>
+          </a:prstGeom>
+        </p:spPr>
+        <p:txBody>
+          <a:bodyPr wrap="square">
+            <a:spAutoFit/>
+          </a:bodyPr>
+          <a:lstStyle/>
+          <a:p>
+            <a:pPr algn="ctr">
+              <a:lnSpc>
+                <a:spcPct val="150000"/>
+              </a:lnSpc>
+            </a:pPr>
+            <a:r>
+              <a:rPr lang="km-KH" sz="2400" dirty="0" smtClean="0">
+                <a:latin typeface="Khmer OS Moul" panose="02000500000000000000" pitchFamily="2" charset="0"/>
+                <a:cs typeface="Khmer OS Moul" panose="02000500000000000000" pitchFamily="2" charset="0"/>
+              </a:rPr>
+              <a:t>កិច្ចការស្រាវជ្រាវ </a:t>
+            </a:r>
+          </a:p>
+          <a:p>
+            <a:pPr algn="ctr">
+              <a:lnSpc>
+                <a:spcPct val="150000"/>
+              </a:lnSpc>
+            </a:pPr>
+            <a:r>
+              <a:rPr lang="km-KH" sz="2400" dirty="0" smtClean="0">
+                <a:latin typeface="Khmer OS Moul" panose="02000500000000000000" pitchFamily="2" charset="0"/>
+                <a:cs typeface="Khmer OS Moul" panose="02000500000000000000" pitchFamily="2" charset="0"/>
+              </a:rPr>
+              <a:t>ប្រធានបទ ៖ ឆ្អឹងកងគូទ</a:t>
+            </a:r>
+            <a:endParaRPr lang="km-KH" sz="2400" dirty="0">
+              <a:latin typeface="Khmer OS Moul" panose="02000500000000000000" pitchFamily="2" charset="0"/>
+              <a:cs typeface="Khmer OS Moul" panose="02000500000000000000" pitchFamily="2" charset="0"/>
+            </a:endParaRPr>
+          </a:p>
+        </p:txBody>
+      </p:sp>
+      <p:sp>
+        <p:nvSpPr>
+          <p:cNvPr id="9" name="Rectangle 8"/>
+          <p:cNvSpPr/>
+          <p:nvPr/>
+        </p:nvSpPr>
+        <p:spPr>
+          <a:xfrm>
+            <a:off x="6456218" y="4388180"/>
+            <a:ext cx="4835237" cy="1708160"/>
+          </a:xfrm>
+          <a:prstGeom prst="rect">
+            <a:avLst/>
+          </a:prstGeom>
+        </p:spPr>
+        <p:txBody>
+          <a:bodyPr wrap="square">
+            <a:spAutoFit/>
+          </a:bodyPr>
+          <a:lstStyle/>
+          <a:p>
+            <a:pPr>
+              <a:lnSpc>
+                <a:spcPct val="150000"/>
+              </a:lnSpc>
+            </a:pPr>
+            <a:r>
+              <a:rPr lang="km-KH" sz="2400" dirty="0">
+                <a:latin typeface="Khmer OS Siemreap" panose="02000500000000020004" pitchFamily="2" charset="0"/>
+                <a:cs typeface="Khmer OS Siemreap" panose="02000500000000020004" pitchFamily="2" charset="0"/>
+              </a:rPr>
+              <a:t>សមាជិកក្រុម</a:t>
+            </a:r>
+          </a:p>
+          <a:p>
+            <a:pPr>
+              <a:lnSpc>
+                <a:spcPct val="150000"/>
+              </a:lnSpc>
+            </a:pPr>
+            <a:r>
+              <a:rPr lang="km-KH" sz="2400" dirty="0" smtClean="0">
+                <a:latin typeface="Khmer OS Siemreap" panose="02000500000000020004" pitchFamily="2" charset="0"/>
+                <a:cs typeface="Khmer OS Siemreap" panose="02000500000000020004" pitchFamily="2" charset="0"/>
+              </a:rPr>
+              <a:t>១. ឆេ</a:t>
+            </a:r>
+            <a:r>
+              <a:rPr lang="km-KH" sz="2400" dirty="0">
+                <a:latin typeface="Khmer OS Siemreap" panose="02000500000000020004" pitchFamily="2" charset="0"/>
+                <a:cs typeface="Khmer OS Siemreap" panose="02000500000000020004" pitchFamily="2" charset="0"/>
+              </a:rPr>
+              <a:t>ង </a:t>
+            </a:r>
+            <a:r>
+              <a:rPr lang="km-KH" sz="2400" dirty="0" smtClean="0">
+                <a:latin typeface="Khmer OS Siemreap" panose="02000500000000020004" pitchFamily="2" charset="0"/>
+                <a:cs typeface="Khmer OS Siemreap" panose="02000500000000020004" pitchFamily="2" charset="0"/>
+              </a:rPr>
+              <a:t>ធីតា		៣. </a:t>
+            </a:r>
+            <a:r>
+              <a:rPr lang="km-KH" sz="2400" dirty="0">
+                <a:latin typeface="Khmer OS Siemreap" panose="02000500000000020004" pitchFamily="2" charset="0"/>
+                <a:cs typeface="Khmer OS Siemreap" panose="02000500000000020004" pitchFamily="2" charset="0"/>
+              </a:rPr>
+              <a:t>គង់ ភូវង្ស</a:t>
+            </a:r>
+            <a:endParaRPr lang="km-KH" sz="2400" dirty="0" smtClean="0">
+              <a:latin typeface="Khmer OS Siemreap" panose="02000500000000020004" pitchFamily="2" charset="0"/>
+              <a:cs typeface="Khmer OS Siemreap" panose="02000500000000020004" pitchFamily="2" charset="0"/>
+            </a:endParaRPr>
+          </a:p>
+          <a:p>
+            <a:pPr>
+              <a:lnSpc>
+                <a:spcPct val="150000"/>
+              </a:lnSpc>
+            </a:pPr>
+            <a:r>
+              <a:rPr lang="km-KH" sz="2400" dirty="0" smtClean="0">
+                <a:latin typeface="Khmer OS Siemreap" panose="02000500000000020004" pitchFamily="2" charset="0"/>
+                <a:cs typeface="Khmer OS Siemreap" panose="02000500000000020004" pitchFamily="2" charset="0"/>
+              </a:rPr>
+              <a:t>២. </a:t>
+            </a:r>
+            <a:r>
+              <a:rPr lang="km-KH" sz="2400" dirty="0">
+                <a:latin typeface="Khmer OS Siemreap" panose="02000500000000020004" pitchFamily="2" charset="0"/>
+                <a:cs typeface="Khmer OS Siemreap" panose="02000500000000020004" pitchFamily="2" charset="0"/>
+              </a:rPr>
+              <a:t>ខុង សំ</a:t>
+            </a:r>
+            <a:r>
+              <a:rPr lang="km-KH" sz="2400" dirty="0" smtClean="0">
+                <a:latin typeface="Khmer OS Siemreap" panose="02000500000000020004" pitchFamily="2" charset="0"/>
+                <a:cs typeface="Khmer OS Siemreap" panose="02000500000000020004" pitchFamily="2" charset="0"/>
+              </a:rPr>
+              <a:t>ប្រាថ្នា	៤. </a:t>
+            </a:r>
+            <a:r>
+              <a:rPr lang="km-KH" sz="2400" dirty="0">
+                <a:latin typeface="Khmer OS Siemreap" panose="02000500000000020004" pitchFamily="2" charset="0"/>
+                <a:cs typeface="Khmer OS Siemreap" panose="02000500000000020004" pitchFamily="2" charset="0"/>
+              </a:rPr>
+              <a:t>ឈិន ទីណា</a:t>
+            </a:r>
+            <a:endParaRPr lang="en-US" sz="2400" dirty="0">
+              <a:latin typeface="Khmer OS Siemreap" panose="02000500000000020004" pitchFamily="2" charset="0"/>
+              <a:cs typeface="Khmer OS Siemreap" panose="02000500000000020004" pitchFamily="2" charset="0"/>
+            </a:endParaRPr>
+          </a:p>
+        </p:txBody>
+      </p:sp>
     </p:spTree>
     <p:extLst>
       <p:ext uri="{BB962C8B-B14F-4D97-AF65-F5344CB8AC3E}">
@@ -4100,6 +4302,18 @@
   <p:clrMapOvr>
     <a:masterClrMapping/>
   </p:clrMapOvr>
+  <mc:AlternateContent xmlns:mc="http://schemas.openxmlformats.org/markup-compatibility/2006">
+    <mc:Choice xmlns:p14="http://schemas.microsoft.com/office/powerpoint/2010/main" Requires="p14">
+      <p:transition spd="slow" p14:dur="1600">
+        <p:blinds dir="vert"/>
+      </p:transition>
+    </mc:Choice>
+    <mc:Fallback>
+      <p:transition spd="slow">
+        <p:blinds dir="vert"/>
+      </p:transition>
+    </mc:Fallback>
+  </mc:AlternateContent>
   <p:timing>
     <p:tnLst>
       <p:par>
@@ -4167,6 +4381,16 @@
   <p:clrMapOvr>
     <a:masterClrMapping/>
   </p:clrMapOvr>
+  <p:transition spd="slow">
+    <p:push dir="u"/>
+  </p:transition>
+  <p:timing>
+    <p:tnLst>
+      <p:par>
+        <p:cTn id="1" dur="indefinite" restart="never" nodeType="tmRoot"/>
+      </p:par>
+    </p:tnLst>
+  </p:timing>
 </p:sld>
 </file>
 
@@ -4266,6 +4490,16 @@
   <p:clrMapOvr>
     <a:masterClrMapping/>
   </p:clrMapOvr>
+  <p:transition spd="slow">
+    <p:push dir="u"/>
+  </p:transition>
+  <p:timing>
+    <p:tnLst>
+      <p:par>
+        <p:cTn id="1" dur="indefinite" restart="never" nodeType="tmRoot"/>
+      </p:par>
+    </p:tnLst>
+  </p:timing>
 </p:sld>
 </file>
 
@@ -4296,19 +4530,14 @@
             <p:ph type="title"/>
           </p:nvPr>
         </p:nvSpPr>
-        <p:spPr>
-          <a:xfrm>
-            <a:off x="1097280" y="0"/>
-            <a:ext cx="10058400" cy="1450757"/>
-          </a:xfrm>
-        </p:spPr>
+        <p:spPr/>
         <p:txBody>
           <a:bodyPr/>
           <a:lstStyle/>
           <a:p>
             <a:r>
               <a:rPr lang="km-KH" dirty="0" smtClean="0"/>
-              <a:t>ក្រុម ១	</a:t>
+              <a:t>មាតិកា</a:t>
             </a:r>
             <a:endParaRPr lang="en-US" dirty="0"/>
           </a:p>
@@ -4331,73 +4560,177 @@
           </a:bodyPr>
           <a:lstStyle/>
           <a:p>
+            <a:pPr marL="0" indent="0">
+              <a:lnSpc>
+                <a:spcPct val="100000"/>
+              </a:lnSpc>
+              <a:buClr>
+                <a:srgbClr val="FF0000"/>
+              </a:buClr>
+              <a:buNone/>
+            </a:pPr>
+            <a:r>
+              <a:rPr lang="km-KH" sz="2800" dirty="0" smtClean="0">
+                <a:latin typeface="Khmer OS Battambang" panose="02000500000000020004" pitchFamily="2" charset="0"/>
+                <a:cs typeface="Khmer OS Battambang" panose="02000500000000020004" pitchFamily="2" charset="0"/>
+              </a:rPr>
+              <a:t>១. និយមន័យ</a:t>
+            </a:r>
+            <a:endParaRPr lang="en-US" sz="2800" dirty="0" smtClean="0">
+              <a:latin typeface="Khmer OS Battambang" panose="02000500000000020004" pitchFamily="2" charset="0"/>
+              <a:cs typeface="Khmer OS Battambang" panose="02000500000000020004" pitchFamily="2" charset="0"/>
+            </a:endParaRPr>
+          </a:p>
+          <a:p>
+            <a:pPr marL="0" indent="0">
+              <a:lnSpc>
+                <a:spcPct val="100000"/>
+              </a:lnSpc>
+              <a:buClr>
+                <a:srgbClr val="FF0000"/>
+              </a:buClr>
+              <a:buNone/>
+            </a:pPr>
+            <a:r>
+              <a:rPr lang="km-KH" sz="2800" dirty="0" smtClean="0">
+                <a:latin typeface="Khmer OS Battambang" panose="02000500000000020004" pitchFamily="2" charset="0"/>
+                <a:cs typeface="Khmer OS Battambang" panose="02000500000000020004" pitchFamily="2" charset="0"/>
+              </a:rPr>
+              <a:t>២. ទីតាំង</a:t>
+            </a:r>
+            <a:endParaRPr lang="en-US" sz="2800" dirty="0" smtClean="0">
+              <a:latin typeface="Khmer OS Battambang" panose="02000500000000020004" pitchFamily="2" charset="0"/>
+              <a:cs typeface="Khmer OS Battambang" panose="02000500000000020004" pitchFamily="2" charset="0"/>
+            </a:endParaRPr>
+          </a:p>
+          <a:p>
+            <a:pPr marL="0" indent="0">
+              <a:lnSpc>
+                <a:spcPct val="100000"/>
+              </a:lnSpc>
+              <a:buClr>
+                <a:srgbClr val="FF0000"/>
+              </a:buClr>
+              <a:buNone/>
+            </a:pPr>
+            <a:r>
+              <a:rPr lang="km-KH" sz="2800" dirty="0" smtClean="0">
+                <a:latin typeface="Khmer OS Battambang" panose="02000500000000020004" pitchFamily="2" charset="0"/>
+                <a:cs typeface="Khmer OS Battambang" panose="02000500000000020004" pitchFamily="2" charset="0"/>
+              </a:rPr>
+              <a:t>៣. ចំនួន</a:t>
+            </a:r>
+            <a:endParaRPr lang="en-US" sz="2800" dirty="0" smtClean="0">
+              <a:latin typeface="Khmer OS Battambang" panose="02000500000000020004" pitchFamily="2" charset="0"/>
+              <a:cs typeface="Khmer OS Battambang" panose="02000500000000020004" pitchFamily="2" charset="0"/>
+            </a:endParaRPr>
+          </a:p>
+          <a:p>
+            <a:pPr marL="0" indent="0">
+              <a:lnSpc>
+                <a:spcPct val="100000"/>
+              </a:lnSpc>
+              <a:buClr>
+                <a:srgbClr val="FF0000"/>
+              </a:buClr>
+              <a:buNone/>
+            </a:pPr>
+            <a:r>
+              <a:rPr lang="km-KH" sz="2800" dirty="0" smtClean="0">
+                <a:latin typeface="Khmer OS Battambang" panose="02000500000000020004" pitchFamily="2" charset="0"/>
+                <a:cs typeface="Khmer OS Battambang" panose="02000500000000020004" pitchFamily="2" charset="0"/>
+              </a:rPr>
+              <a:t>៤. មុខ</a:t>
+            </a:r>
+            <a:r>
+              <a:rPr lang="km-KH" sz="2800" dirty="0">
+                <a:latin typeface="Khmer OS Battambang" panose="02000500000000020004" pitchFamily="2" charset="0"/>
+                <a:cs typeface="Khmer OS Battambang" panose="02000500000000020004" pitchFamily="2" charset="0"/>
+              </a:rPr>
+              <a:t>ងារ</a:t>
+            </a:r>
+            <a:r>
+              <a:rPr lang="en-US" sz="2800" dirty="0">
+                <a:latin typeface="Khmer OS Battambang" panose="02000500000000020004" pitchFamily="2" charset="0"/>
+                <a:cs typeface="Khmer OS Battambang" panose="02000500000000020004" pitchFamily="2" charset="0"/>
+              </a:rPr>
+              <a:t> </a:t>
+            </a:r>
+            <a:r>
+              <a:rPr lang="km-KH" sz="2800" dirty="0">
+                <a:latin typeface="Khmer OS Battambang" panose="02000500000000020004" pitchFamily="2" charset="0"/>
+                <a:cs typeface="Khmer OS Battambang" panose="02000500000000020004" pitchFamily="2" charset="0"/>
+              </a:rPr>
+              <a:t>និងតួ</a:t>
+            </a:r>
+            <a:r>
+              <a:rPr lang="km-KH" sz="2800" dirty="0" smtClean="0">
+                <a:latin typeface="Khmer OS Battambang" panose="02000500000000020004" pitchFamily="2" charset="0"/>
+                <a:cs typeface="Khmer OS Battambang" panose="02000500000000020004" pitchFamily="2" charset="0"/>
+              </a:rPr>
+              <a:t>នាទី</a:t>
+            </a:r>
+            <a:endParaRPr lang="en-US" sz="2800" dirty="0" smtClean="0">
+              <a:latin typeface="Khmer OS Battambang" panose="02000500000000020004" pitchFamily="2" charset="0"/>
+              <a:cs typeface="Khmer OS Battambang" panose="02000500000000020004" pitchFamily="2" charset="0"/>
+            </a:endParaRPr>
+          </a:p>
+          <a:p>
+            <a:pPr marL="0" indent="0">
+              <a:lnSpc>
+                <a:spcPct val="100000"/>
+              </a:lnSpc>
+              <a:buClr>
+                <a:srgbClr val="FF0000"/>
+              </a:buClr>
+              <a:buNone/>
+            </a:pPr>
+            <a:r>
+              <a:rPr lang="km-KH" sz="2800" dirty="0" smtClean="0">
+                <a:latin typeface="Khmer OS Battambang" panose="02000500000000020004" pitchFamily="2" charset="0"/>
+                <a:cs typeface="Khmer OS Battambang" panose="02000500000000020004" pitchFamily="2" charset="0"/>
+              </a:rPr>
+              <a:t>៥. ឯកសារយោង</a:t>
+            </a:r>
+            <a:endParaRPr lang="en-US" sz="2800" dirty="0" smtClean="0">
+              <a:latin typeface="Khmer OS Battambang" panose="02000500000000020004" pitchFamily="2" charset="0"/>
+              <a:cs typeface="Khmer OS Battambang" panose="02000500000000020004" pitchFamily="2" charset="0"/>
+            </a:endParaRPr>
+          </a:p>
+          <a:p>
             <a:pPr marL="457200" indent="-457200">
+              <a:buClr>
+                <a:srgbClr val="FF0000"/>
+              </a:buClr>
               <a:buFont typeface="+mj-lt"/>
               <a:buAutoNum type="arabicPeriod"/>
             </a:pPr>
-            <a:r>
-              <a:rPr lang="km-KH" sz="2400" dirty="0" smtClean="0">
-                <a:latin typeface="Khmer OS Siemreap" panose="02000500000000020004" pitchFamily="2" charset="0"/>
-                <a:cs typeface="Khmer OS Siemreap" panose="02000500000000020004" pitchFamily="2" charset="0"/>
-              </a:rPr>
-              <a:t>ឆេង ធីតា</a:t>
-            </a:r>
-          </a:p>
-          <a:p>
-            <a:pPr marL="457200" indent="-457200">
-              <a:buFont typeface="+mj-lt"/>
-              <a:buAutoNum type="arabicPeriod"/>
-            </a:pPr>
-            <a:r>
-              <a:rPr lang="km-KH" sz="2400" dirty="0" smtClean="0">
-                <a:latin typeface="Khmer OS Siemreap" panose="02000500000000020004" pitchFamily="2" charset="0"/>
-                <a:cs typeface="Khmer OS Siemreap" panose="02000500000000020004" pitchFamily="2" charset="0"/>
-              </a:rPr>
-              <a:t>ខុង សំប្រាថ្នា</a:t>
-            </a:r>
-          </a:p>
-          <a:p>
-            <a:pPr marL="457200" indent="-457200">
-              <a:buFont typeface="+mj-lt"/>
-              <a:buAutoNum type="arabicPeriod"/>
-            </a:pPr>
-            <a:r>
-              <a:rPr lang="km-KH" sz="2400" dirty="0" smtClean="0">
-                <a:latin typeface="Khmer OS Siemreap" panose="02000500000000020004" pitchFamily="2" charset="0"/>
-                <a:cs typeface="Khmer OS Siemreap" panose="02000500000000020004" pitchFamily="2" charset="0"/>
-              </a:rPr>
-              <a:t>គង់ ភូវង្ស</a:t>
-            </a:r>
-          </a:p>
-          <a:p>
-            <a:pPr marL="457200" indent="-457200">
-              <a:buFont typeface="+mj-lt"/>
-              <a:buAutoNum type="arabicPeriod"/>
-            </a:pPr>
-            <a:r>
-              <a:rPr lang="km-KH" sz="2400" dirty="0" smtClean="0">
-                <a:latin typeface="Khmer OS Siemreap" panose="02000500000000020004" pitchFamily="2" charset="0"/>
-                <a:cs typeface="Khmer OS Siemreap" panose="02000500000000020004" pitchFamily="2" charset="0"/>
-              </a:rPr>
-              <a:t>ឈិន ទីណា</a:t>
-            </a:r>
-            <a:endParaRPr lang="en-US" sz="2400" dirty="0">
-              <a:latin typeface="Khmer OS Siemreap" panose="02000500000000020004" pitchFamily="2" charset="0"/>
-              <a:cs typeface="Khmer OS Siemreap" panose="02000500000000020004" pitchFamily="2" charset="0"/>
-            </a:endParaRPr>
+            <a:endParaRPr lang="en-US" sz="3200" dirty="0"/>
           </a:p>
         </p:txBody>
       </p:sp>
     </p:spTree>
     <p:extLst>
       <p:ext uri="{BB962C8B-B14F-4D97-AF65-F5344CB8AC3E}">
-        <p14:creationId xmlns:p14="http://schemas.microsoft.com/office/powerpoint/2010/main" val="434170183"/>
+        <p14:creationId xmlns:p14="http://schemas.microsoft.com/office/powerpoint/2010/main" val="3002858853"/>
       </p:ext>
     </p:extLst>
   </p:cSld>
   <p:clrMapOvr>
     <a:masterClrMapping/>
   </p:clrMapOvr>
+  <mc:AlternateContent xmlns:mc="http://schemas.openxmlformats.org/markup-compatibility/2006">
+    <mc:Choice xmlns:p14="http://schemas.microsoft.com/office/powerpoint/2010/main" Requires="p14">
+      <p:transition spd="slow" p14:dur="3000">
+        <p14:shred/>
+      </p:transition>
+    </mc:Choice>
+    <mc:Fallback>
+      <p:transition spd="slow">
+        <p:fade/>
+      </p:transition>
+    </mc:Fallback>
+  </mc:AlternateContent>
   <p:timing>
     <p:tnLst>
       <p:par>
@@ -4409,214 +4742,6 @@
 </file>
 
 <file path=ppt/slides/slide3.xml><?xml version="1.0" encoding="utf-8"?>
-<p:sld xmlns:a="http://schemas.openxmlformats.org/drawingml/2006/main" xmlns:r="http://schemas.openxmlformats.org/officeDocument/2006/relationships" xmlns:p="http://schemas.openxmlformats.org/presentationml/2006/main">
-  <p:cSld>
-    <p:spTree>
-      <p:nvGrpSpPr>
-        <p:cNvPr id="1" name=""/>
-        <p:cNvGrpSpPr/>
-        <p:nvPr/>
-      </p:nvGrpSpPr>
-      <p:grpSpPr>
-        <a:xfrm>
-          <a:off x="0" y="0"/>
-          <a:ext cx="0" cy="0"/>
-          <a:chOff x="0" y="0"/>
-          <a:chExt cx="0" cy="0"/>
-        </a:xfrm>
-      </p:grpSpPr>
-      <p:sp>
-        <p:nvSpPr>
-          <p:cNvPr id="2" name="Title 1"/>
-          <p:cNvSpPr>
-            <a:spLocks noGrp="1"/>
-          </p:cNvSpPr>
-          <p:nvPr>
-            <p:ph type="title"/>
-          </p:nvPr>
-        </p:nvSpPr>
-        <p:spPr/>
-        <p:txBody>
-          <a:bodyPr/>
-          <a:lstStyle/>
-          <a:p>
-            <a:r>
-              <a:rPr lang="km-KH" dirty="0" smtClean="0"/>
-              <a:t>មាតិកា</a:t>
-            </a:r>
-            <a:endParaRPr lang="en-US" dirty="0"/>
-          </a:p>
-        </p:txBody>
-      </p:sp>
-      <p:sp>
-        <p:nvSpPr>
-          <p:cNvPr id="3" name="Content Placeholder 2"/>
-          <p:cNvSpPr>
-            <a:spLocks noGrp="1"/>
-          </p:cNvSpPr>
-          <p:nvPr>
-            <p:ph idx="1"/>
-          </p:nvPr>
-        </p:nvSpPr>
-        <p:spPr/>
-        <p:txBody>
-          <a:bodyPr>
-            <a:normAutofit/>
-          </a:bodyPr>
-          <a:lstStyle/>
-          <a:p>
-            <a:pPr marL="457200" indent="-457200">
-              <a:lnSpc>
-                <a:spcPct val="100000"/>
-              </a:lnSpc>
-              <a:buClr>
-                <a:srgbClr val="FF0000"/>
-              </a:buClr>
-              <a:buFont typeface="+mj-lt"/>
-              <a:buAutoNum type="arabicPeriod"/>
-            </a:pPr>
-            <a:r>
-              <a:rPr lang="km-KH" sz="2400" dirty="0">
-                <a:latin typeface="Khmer OS Battambang" panose="02000500000000020004" pitchFamily="2" charset="0"/>
-                <a:cs typeface="Khmer OS Battambang" panose="02000500000000020004" pitchFamily="2" charset="0"/>
-              </a:rPr>
-              <a:t>និយម</a:t>
-            </a:r>
-            <a:r>
-              <a:rPr lang="km-KH" sz="2400" dirty="0" smtClean="0">
-                <a:latin typeface="Khmer OS Battambang" panose="02000500000000020004" pitchFamily="2" charset="0"/>
-                <a:cs typeface="Khmer OS Battambang" panose="02000500000000020004" pitchFamily="2" charset="0"/>
-              </a:rPr>
-              <a:t>ន័យ</a:t>
-            </a:r>
-            <a:endParaRPr lang="en-US" sz="2400" dirty="0" smtClean="0">
-              <a:latin typeface="Khmer OS Battambang" panose="02000500000000020004" pitchFamily="2" charset="0"/>
-              <a:cs typeface="Khmer OS Battambang" panose="02000500000000020004" pitchFamily="2" charset="0"/>
-            </a:endParaRPr>
-          </a:p>
-          <a:p>
-            <a:pPr marL="457200" indent="-457200">
-              <a:lnSpc>
-                <a:spcPct val="100000"/>
-              </a:lnSpc>
-              <a:buClr>
-                <a:srgbClr val="FF0000"/>
-              </a:buClr>
-              <a:buFont typeface="+mj-lt"/>
-              <a:buAutoNum type="arabicPeriod"/>
-            </a:pPr>
-            <a:r>
-              <a:rPr lang="km-KH" sz="2400" dirty="0">
-                <a:latin typeface="Khmer OS Battambang" panose="02000500000000020004" pitchFamily="2" charset="0"/>
-                <a:cs typeface="Khmer OS Battambang" panose="02000500000000020004" pitchFamily="2" charset="0"/>
-              </a:rPr>
-              <a:t>ទី</a:t>
-            </a:r>
-            <a:r>
-              <a:rPr lang="km-KH" sz="2400" dirty="0" smtClean="0">
-                <a:latin typeface="Khmer OS Battambang" panose="02000500000000020004" pitchFamily="2" charset="0"/>
-                <a:cs typeface="Khmer OS Battambang" panose="02000500000000020004" pitchFamily="2" charset="0"/>
-              </a:rPr>
-              <a:t>តាំង</a:t>
-            </a:r>
-            <a:endParaRPr lang="en-US" sz="2400" dirty="0" smtClean="0">
-              <a:latin typeface="Khmer OS Battambang" panose="02000500000000020004" pitchFamily="2" charset="0"/>
-              <a:cs typeface="Khmer OS Battambang" panose="02000500000000020004" pitchFamily="2" charset="0"/>
-            </a:endParaRPr>
-          </a:p>
-          <a:p>
-            <a:pPr marL="457200" indent="-457200">
-              <a:lnSpc>
-                <a:spcPct val="100000"/>
-              </a:lnSpc>
-              <a:buClr>
-                <a:srgbClr val="FF0000"/>
-              </a:buClr>
-              <a:buFont typeface="+mj-lt"/>
-              <a:buAutoNum type="arabicPeriod"/>
-            </a:pPr>
-            <a:r>
-              <a:rPr lang="km-KH" sz="2400" dirty="0" smtClean="0">
-                <a:latin typeface="Khmer OS Battambang" panose="02000500000000020004" pitchFamily="2" charset="0"/>
-                <a:cs typeface="Khmer OS Battambang" panose="02000500000000020004" pitchFamily="2" charset="0"/>
-              </a:rPr>
-              <a:t>ចំនួន</a:t>
-            </a:r>
-            <a:endParaRPr lang="en-US" sz="2400" dirty="0" smtClean="0">
-              <a:latin typeface="Khmer OS Battambang" panose="02000500000000020004" pitchFamily="2" charset="0"/>
-              <a:cs typeface="Khmer OS Battambang" panose="02000500000000020004" pitchFamily="2" charset="0"/>
-            </a:endParaRPr>
-          </a:p>
-          <a:p>
-            <a:pPr marL="457200" indent="-457200">
-              <a:lnSpc>
-                <a:spcPct val="100000"/>
-              </a:lnSpc>
-              <a:buClr>
-                <a:srgbClr val="FF0000"/>
-              </a:buClr>
-              <a:buFont typeface="+mj-lt"/>
-              <a:buAutoNum type="arabicPeriod"/>
-            </a:pPr>
-            <a:r>
-              <a:rPr lang="km-KH" sz="2400" dirty="0">
-                <a:latin typeface="Khmer OS Battambang" panose="02000500000000020004" pitchFamily="2" charset="0"/>
-                <a:cs typeface="Khmer OS Battambang" panose="02000500000000020004" pitchFamily="2" charset="0"/>
-              </a:rPr>
-              <a:t>មុខងារ</a:t>
-            </a:r>
-            <a:r>
-              <a:rPr lang="en-US" sz="2400" dirty="0">
-                <a:latin typeface="Khmer OS Battambang" panose="02000500000000020004" pitchFamily="2" charset="0"/>
-                <a:cs typeface="Khmer OS Battambang" panose="02000500000000020004" pitchFamily="2" charset="0"/>
-              </a:rPr>
-              <a:t> </a:t>
-            </a:r>
-            <a:r>
-              <a:rPr lang="km-KH" sz="2400" dirty="0">
-                <a:latin typeface="Khmer OS Battambang" panose="02000500000000020004" pitchFamily="2" charset="0"/>
-                <a:cs typeface="Khmer OS Battambang" panose="02000500000000020004" pitchFamily="2" charset="0"/>
-              </a:rPr>
-              <a:t>និងតួនាទី</a:t>
-            </a:r>
-            <a:endParaRPr lang="en-US" sz="2400" dirty="0" smtClean="0">
-              <a:latin typeface="Khmer OS Battambang" panose="02000500000000020004" pitchFamily="2" charset="0"/>
-              <a:cs typeface="Khmer OS Battambang" panose="02000500000000020004" pitchFamily="2" charset="0"/>
-            </a:endParaRPr>
-          </a:p>
-          <a:p>
-            <a:pPr marL="457200" indent="-457200">
-              <a:buClr>
-                <a:srgbClr val="FF0000"/>
-              </a:buClr>
-              <a:buFont typeface="+mj-lt"/>
-              <a:buAutoNum type="arabicPeriod"/>
-            </a:pPr>
-            <a:endParaRPr lang="en-US" sz="3200" dirty="0"/>
-          </a:p>
-        </p:txBody>
-      </p:sp>
-    </p:spTree>
-    <p:extLst>
-      <p:ext uri="{BB962C8B-B14F-4D97-AF65-F5344CB8AC3E}">
-        <p14:creationId xmlns:p14="http://schemas.microsoft.com/office/powerpoint/2010/main" val="3002858853"/>
-      </p:ext>
-    </p:extLst>
-  </p:cSld>
-  <p:clrMapOvr>
-    <a:masterClrMapping/>
-  </p:clrMapOvr>
-  <p:timing>
-    <p:tnLst>
-      <p:par>
-        <p:cTn id="1" dur="indefinite" restart="never" nodeType="tmRoot"/>
-      </p:par>
-    </p:tnLst>
-  </p:timing>
-</p:sld>
-</file>
-
-<file path=ppt/slides/slide4.xml><?xml version="1.0" encoding="utf-8"?>
 <p:sld xmlns:a="http://schemas.openxmlformats.org/drawingml/2006/main" xmlns:r="http://schemas.openxmlformats.org/officeDocument/2006/relationships" xmlns:p="http://schemas.openxmlformats.org/presentationml/2006/main">
   <p:cSld>
     <p:spTree>
@@ -4837,6 +4962,175 @@
           </a:p>
         </p:txBody>
       </p:sp>
+      <p:cxnSp>
+        <p:nvCxnSpPr>
+          <p:cNvPr id="3" name="Straight Arrow Connector 2"/>
+          <p:cNvCxnSpPr/>
+          <p:nvPr/>
+        </p:nvCxnSpPr>
+        <p:spPr>
+          <a:xfrm flipH="1" flipV="1">
+            <a:off x="2313709" y="1399309"/>
+            <a:ext cx="3325091" cy="69273"/>
+          </a:xfrm>
+          <a:prstGeom prst="straightConnector1">
+            <a:avLst/>
+          </a:prstGeom>
+          <a:ln>
+            <a:tailEnd type="triangle"/>
+          </a:ln>
+        </p:spPr>
+        <p:style>
+          <a:lnRef idx="2">
+            <a:schemeClr val="dk1"/>
+          </a:lnRef>
+          <a:fillRef idx="0">
+            <a:schemeClr val="dk1"/>
+          </a:fillRef>
+          <a:effectRef idx="1">
+            <a:schemeClr val="dk1"/>
+          </a:effectRef>
+          <a:fontRef idx="minor">
+            <a:schemeClr val="tx1"/>
+          </a:fontRef>
+        </p:style>
+      </p:cxnSp>
+      <p:cxnSp>
+        <p:nvCxnSpPr>
+          <p:cNvPr id="11" name="Straight Arrow Connector 10"/>
+          <p:cNvCxnSpPr>
+            <a:endCxn id="6" idx="1"/>
+          </p:cNvCxnSpPr>
+          <p:nvPr/>
+        </p:nvCxnSpPr>
+        <p:spPr>
+          <a:xfrm>
+            <a:off x="5818909" y="2426915"/>
+            <a:ext cx="2687782" cy="230833"/>
+          </a:xfrm>
+          <a:prstGeom prst="straightConnector1">
+            <a:avLst/>
+          </a:prstGeom>
+          <a:ln>
+            <a:tailEnd type="triangle"/>
+          </a:ln>
+        </p:spPr>
+        <p:style>
+          <a:lnRef idx="1">
+            <a:schemeClr val="dk1"/>
+          </a:lnRef>
+          <a:fillRef idx="0">
+            <a:schemeClr val="dk1"/>
+          </a:fillRef>
+          <a:effectRef idx="0">
+            <a:schemeClr val="dk1"/>
+          </a:effectRef>
+          <a:fontRef idx="minor">
+            <a:schemeClr val="tx1"/>
+          </a:fontRef>
+        </p:style>
+      </p:cxnSp>
+      <p:cxnSp>
+        <p:nvCxnSpPr>
+          <p:cNvPr id="13" name="Straight Arrow Connector 12"/>
+          <p:cNvCxnSpPr/>
+          <p:nvPr/>
+        </p:nvCxnSpPr>
+        <p:spPr>
+          <a:xfrm flipH="1">
+            <a:off x="2590800" y="4073236"/>
+            <a:ext cx="3048000" cy="27709"/>
+          </a:xfrm>
+          <a:prstGeom prst="straightConnector1">
+            <a:avLst/>
+          </a:prstGeom>
+          <a:ln>
+            <a:tailEnd type="triangle"/>
+          </a:ln>
+        </p:spPr>
+        <p:style>
+          <a:lnRef idx="1">
+            <a:schemeClr val="dk1"/>
+          </a:lnRef>
+          <a:fillRef idx="0">
+            <a:schemeClr val="dk1"/>
+          </a:fillRef>
+          <a:effectRef idx="0">
+            <a:schemeClr val="dk1"/>
+          </a:effectRef>
+          <a:fontRef idx="minor">
+            <a:schemeClr val="tx1"/>
+          </a:fontRef>
+        </p:style>
+      </p:cxnSp>
+      <p:cxnSp>
+        <p:nvCxnSpPr>
+          <p:cNvPr id="15" name="Straight Arrow Connector 14"/>
+          <p:cNvCxnSpPr>
+            <a:endCxn id="8" idx="1"/>
+          </p:cNvCxnSpPr>
+          <p:nvPr/>
+        </p:nvCxnSpPr>
+        <p:spPr>
+          <a:xfrm>
+            <a:off x="5818909" y="4724400"/>
+            <a:ext cx="2770909" cy="39240"/>
+          </a:xfrm>
+          <a:prstGeom prst="straightConnector1">
+            <a:avLst/>
+          </a:prstGeom>
+          <a:ln>
+            <a:tailEnd type="triangle"/>
+          </a:ln>
+        </p:spPr>
+        <p:style>
+          <a:lnRef idx="1">
+            <a:schemeClr val="dk1"/>
+          </a:lnRef>
+          <a:fillRef idx="0">
+            <a:schemeClr val="dk1"/>
+          </a:fillRef>
+          <a:effectRef idx="0">
+            <a:schemeClr val="dk1"/>
+          </a:effectRef>
+          <a:fontRef idx="minor">
+            <a:schemeClr val="tx1"/>
+          </a:fontRef>
+        </p:style>
+      </p:cxnSp>
+      <p:cxnSp>
+        <p:nvCxnSpPr>
+          <p:cNvPr id="17" name="Straight Arrow Connector 16"/>
+          <p:cNvCxnSpPr/>
+          <p:nvPr/>
+        </p:nvCxnSpPr>
+        <p:spPr>
+          <a:xfrm flipH="1">
+            <a:off x="3117273" y="5167745"/>
+            <a:ext cx="2521527" cy="374073"/>
+          </a:xfrm>
+          <a:prstGeom prst="straightConnector1">
+            <a:avLst/>
+          </a:prstGeom>
+          <a:ln>
+            <a:tailEnd type="triangle"/>
+          </a:ln>
+        </p:spPr>
+        <p:style>
+          <a:lnRef idx="1">
+            <a:schemeClr val="dk1"/>
+          </a:lnRef>
+          <a:fillRef idx="0">
+            <a:schemeClr val="dk1"/>
+          </a:fillRef>
+          <a:effectRef idx="0">
+            <a:schemeClr val="dk1"/>
+          </a:effectRef>
+          <a:fontRef idx="minor">
+            <a:schemeClr val="tx1"/>
+          </a:fontRef>
+        </p:style>
+      </p:cxnSp>
     </p:spTree>
     <p:extLst>
       <p:ext uri="{BB962C8B-B14F-4D97-AF65-F5344CB8AC3E}">
@@ -4847,6 +5141,320 @@
   <p:clrMapOvr>
     <a:masterClrMapping/>
   </p:clrMapOvr>
+  <mc:AlternateContent xmlns:mc="http://schemas.openxmlformats.org/markup-compatibility/2006">
+    <mc:Choice xmlns:p15="http://schemas.microsoft.com/office/powerpoint/2012/main" Requires="p15">
+      <p:transition xmlns:p14="http://schemas.microsoft.com/office/powerpoint/2010/main" spd="slow" p14:dur="6000">
+        <p15:prstTrans prst="curtains"/>
+      </p:transition>
+    </mc:Choice>
+    <mc:Fallback>
+      <p:transition spd="slow">
+        <p:fade/>
+      </p:transition>
+    </mc:Fallback>
+  </mc:AlternateContent>
+  <p:timing>
+    <p:tnLst>
+      <p:par>
+        <p:cTn id="1" dur="indefinite" restart="never" nodeType="tmRoot"/>
+      </p:par>
+    </p:tnLst>
+  </p:timing>
+</p:sld>
+</file>
+
+<file path=ppt/slides/slide4.xml><?xml version="1.0" encoding="utf-8"?>
+<p:sld xmlns:a="http://schemas.openxmlformats.org/drawingml/2006/main" xmlns:r="http://schemas.openxmlformats.org/officeDocument/2006/relationships" xmlns:p="http://schemas.openxmlformats.org/presentationml/2006/main">
+  <p:cSld>
+    <p:spTree>
+      <p:nvGrpSpPr>
+        <p:cNvPr id="1" name=""/>
+        <p:cNvGrpSpPr/>
+        <p:nvPr/>
+      </p:nvGrpSpPr>
+      <p:grpSpPr>
+        <a:xfrm>
+          <a:off x="0" y="0"/>
+          <a:ext cx="0" cy="0"/>
+          <a:chOff x="0" y="0"/>
+          <a:chExt cx="0" cy="0"/>
+        </a:xfrm>
+      </p:grpSpPr>
+      <p:sp>
+        <p:nvSpPr>
+          <p:cNvPr id="5" name="Title 4"/>
+          <p:cNvSpPr>
+            <a:spLocks noGrp="1"/>
+          </p:cNvSpPr>
+          <p:nvPr>
+            <p:ph type="title"/>
+          </p:nvPr>
+        </p:nvSpPr>
+        <p:spPr/>
+        <p:txBody>
+          <a:bodyPr/>
+          <a:lstStyle/>
+          <a:p>
+            <a:r>
+              <a:rPr lang="km-KH" dirty="0" smtClean="0"/>
+              <a:t>១. និយមន័យ</a:t>
+            </a:r>
+            <a:endParaRPr lang="en-US" dirty="0"/>
+          </a:p>
+        </p:txBody>
+      </p:sp>
+      <p:pic>
+        <p:nvPicPr>
+          <p:cNvPr id="4" name="Content Placeholder 3"/>
+          <p:cNvPicPr>
+            <a:picLocks noGrp="1" noChangeAspect="1"/>
+          </p:cNvPicPr>
+          <p:nvPr>
+            <p:ph sz="half" idx="1"/>
+          </p:nvPr>
+        </p:nvPicPr>
+        <p:blipFill>
+          <a:blip r:embed="rId2">
+            <a:extLst>
+              <a:ext uri="{28A0092B-C50C-407E-A947-70E740481C1C}">
+                <a14:useLocalDpi xmlns:a14="http://schemas.microsoft.com/office/drawing/2010/main" val="0"/>
+              </a:ext>
+            </a:extLst>
+          </a:blip>
+          <a:stretch>
+            <a:fillRect/>
+          </a:stretch>
+        </p:blipFill>
+        <p:spPr>
+          <a:xfrm>
+            <a:off x="6309360" y="2008909"/>
+            <a:ext cx="5029200" cy="4023360"/>
+          </a:xfrm>
+        </p:spPr>
+      </p:pic>
+      <p:sp>
+        <p:nvSpPr>
+          <p:cNvPr id="6" name="Content Placeholder 5"/>
+          <p:cNvSpPr>
+            <a:spLocks noGrp="1"/>
+          </p:cNvSpPr>
+          <p:nvPr>
+            <p:ph sz="half" idx="2"/>
+          </p:nvPr>
+        </p:nvSpPr>
+        <p:spPr>
+          <a:xfrm>
+            <a:off x="1097280" y="1737360"/>
+            <a:ext cx="5212080" cy="4566458"/>
+          </a:xfrm>
+        </p:spPr>
+        <p:txBody>
+          <a:bodyPr>
+            <a:noAutofit/>
+          </a:bodyPr>
+          <a:lstStyle/>
+          <a:p>
+            <a:pPr>
+              <a:lnSpc>
+                <a:spcPct val="150000"/>
+              </a:lnSpc>
+            </a:pPr>
+            <a:r>
+              <a:rPr lang="km-KH" sz="2400" dirty="0" smtClean="0">
+                <a:latin typeface="Khmer OS Siemreap" panose="02000500000000020004" pitchFamily="2" charset="0"/>
+                <a:cs typeface="Khmer OS Siemreap" panose="02000500000000020004" pitchFamily="2" charset="0"/>
+              </a:rPr>
+              <a:t>ឆ្អឹងកងគូទ គឺ</a:t>
+            </a:r>
+            <a:r>
+              <a:rPr lang="en-US" sz="2400" dirty="0" smtClean="0">
+                <a:latin typeface="Khmer OS Siemreap" panose="02000500000000020004" pitchFamily="2" charset="0"/>
+                <a:cs typeface="Khmer OS Siemreap" panose="02000500000000020004" pitchFamily="2" charset="0"/>
+              </a:rPr>
+              <a:t> </a:t>
+            </a:r>
+            <a:r>
+              <a:rPr lang="km-KH" sz="2400" dirty="0" smtClean="0">
+                <a:latin typeface="Khmer OS Siemreap" panose="02000500000000020004" pitchFamily="2" charset="0"/>
+                <a:cs typeface="Khmer OS Siemreap" panose="02000500000000020004" pitchFamily="2" charset="0"/>
+              </a:rPr>
+              <a:t>ឆ្អឹងដែលមាន​</a:t>
+            </a:r>
+            <a:r>
+              <a:rPr lang="km-KH" sz="2400" dirty="0">
+                <a:latin typeface="Khmer OS Siemreap" panose="02000500000000020004" pitchFamily="2" charset="0"/>
+                <a:cs typeface="Khmer OS Siemreap" panose="02000500000000020004" pitchFamily="2" charset="0"/>
+              </a:rPr>
+              <a:t>រាង</a:t>
+            </a:r>
+            <a:r>
+              <a:rPr lang="km-KH" sz="2400" dirty="0" smtClean="0">
+                <a:latin typeface="Khmer OS Siemreap" panose="02000500000000020004" pitchFamily="2" charset="0"/>
+                <a:cs typeface="Khmer OS Siemreap" panose="02000500000000020004" pitchFamily="2" charset="0"/>
+              </a:rPr>
+              <a:t>​ដូចត្រី</a:t>
+            </a:r>
+            <a:r>
+              <a:rPr lang="km-KH" sz="2400" dirty="0">
+                <a:latin typeface="Khmer OS Siemreap" panose="02000500000000020004" pitchFamily="2" charset="0"/>
+                <a:cs typeface="Khmer OS Siemreap" panose="02000500000000020004" pitchFamily="2" charset="0"/>
+              </a:rPr>
+              <a:t>កោណ</a:t>
+            </a:r>
+            <a:r>
+              <a:rPr lang="km-KH" sz="2400" dirty="0" smtClean="0">
+                <a:latin typeface="Khmer OS Siemreap" panose="02000500000000020004" pitchFamily="2" charset="0"/>
+                <a:cs typeface="Khmer OS Siemreap" panose="02000500000000020004" pitchFamily="2" charset="0"/>
+              </a:rPr>
+              <a:t>​​</a:t>
+            </a:r>
+            <a:r>
+              <a:rPr lang="km-KH" sz="2400" dirty="0">
+                <a:latin typeface="Khmer OS Siemreap" panose="02000500000000020004" pitchFamily="2" charset="0"/>
+                <a:cs typeface="Khmer OS Siemreap" panose="02000500000000020004" pitchFamily="2" charset="0"/>
+              </a:rPr>
+              <a:t>នៅ​ផ្នែក​ខាង​ក្រោម​ដែល​កើត​ចេញ​ពី​ឆ្អឹង​កង​ខ្នង​ដែល​លាយ​បញ្ចូល​គ្នា និង​ស្ថិត​នៅ​ចន្លោះ​ឆ្អឹង​ត្រគាក​ពីរ​នៃ​ឆ្អឹង​អាង​ត្រគា</a:t>
+            </a:r>
+            <a:r>
+              <a:rPr lang="km-KH" sz="2400" dirty="0" smtClean="0">
+                <a:latin typeface="Khmer OS Siemreap" panose="02000500000000020004" pitchFamily="2" charset="0"/>
+                <a:cs typeface="Khmer OS Siemreap" panose="02000500000000020004" pitchFamily="2" charset="0"/>
+              </a:rPr>
+              <a:t>ក។</a:t>
+            </a:r>
+            <a:r>
+              <a:rPr lang="en-US" sz="2400" dirty="0" smtClean="0">
+                <a:latin typeface="Khmer OS Siemreap" panose="02000500000000020004" pitchFamily="2" charset="0"/>
+                <a:cs typeface="Khmer OS Siemreap" panose="02000500000000020004" pitchFamily="2" charset="0"/>
+              </a:rPr>
+              <a:t> </a:t>
+            </a:r>
+            <a:r>
+              <a:rPr lang="km-KH" sz="2400" dirty="0" smtClean="0">
+                <a:latin typeface="Khmer OS Siemreap" panose="02000500000000020004" pitchFamily="2" charset="0"/>
+                <a:cs typeface="Khmer OS Siemreap" panose="02000500000000020004" pitchFamily="2" charset="0"/>
+              </a:rPr>
+              <a:t>ហើយជា</a:t>
+            </a:r>
+            <a:r>
+              <a:rPr lang="km-KH" sz="2400" dirty="0">
+                <a:latin typeface="Khmer OS Siemreap" panose="02000500000000020004" pitchFamily="2" charset="0"/>
+                <a:cs typeface="Khmer OS Siemreap" panose="02000500000000020004" pitchFamily="2" charset="0"/>
+              </a:rPr>
+              <a:t>ឆ្អឹងតែមួយដែលមាន ឆ្អឹងកង ចំនួនប្រាំដាច់ដោយឡែក ដែលប្រសព្វគ្នាក្នុងអំឡុងពេលពេញវ័យ។ វាបង្កើតជាមូលដ្ឋានគ្រឹះនៃខ្នងផ្នែកខាងក្រោម និងឆ្អឹងអាងត្រគាក។</a:t>
+            </a:r>
+            <a:endParaRPr lang="en-US" sz="2400" dirty="0">
+              <a:latin typeface="Khmer OS Siemreap" panose="02000500000000020004" pitchFamily="2" charset="0"/>
+              <a:cs typeface="Khmer OS Siemreap" panose="02000500000000020004" pitchFamily="2" charset="0"/>
+            </a:endParaRPr>
+          </a:p>
+        </p:txBody>
+      </p:sp>
+    </p:spTree>
+    <p:extLst>
+      <p:ext uri="{BB962C8B-B14F-4D97-AF65-F5344CB8AC3E}">
+        <p14:creationId xmlns:p14="http://schemas.microsoft.com/office/powerpoint/2010/main" val="3185350733"/>
+      </p:ext>
+    </p:extLst>
+  </p:cSld>
+  <p:clrMapOvr>
+    <a:masterClrMapping/>
+  </p:clrMapOvr>
+  <mc:AlternateContent xmlns:mc="http://schemas.openxmlformats.org/markup-compatibility/2006">
+    <mc:Choice xmlns:p14="http://schemas.microsoft.com/office/powerpoint/2010/main" Requires="p14">
+      <p:transition spd="slow" p14:dur="4000">
+        <p14:vortex dir="r"/>
+      </p:transition>
+    </mc:Choice>
+    <mc:Fallback>
+      <p:transition spd="slow">
+        <p:fade/>
+      </p:transition>
+    </mc:Fallback>
+  </mc:AlternateContent>
+  <p:timing>
+    <p:tnLst>
+      <p:par>
+        <p:cTn id="1" dur="indefinite" restart="never" nodeType="tmRoot">
+          <p:childTnLst>
+            <p:seq concurrent="1" nextAc="seek">
+              <p:cTn id="2" dur="indefinite" nodeType="mainSeq">
+                <p:childTnLst>
+                  <p:par>
+                    <p:cTn id="3" fill="hold">
+                      <p:stCondLst>
+                        <p:cond delay="indefinite"/>
+                      </p:stCondLst>
+                      <p:childTnLst>
+                        <p:par>
+                          <p:cTn id="4" fill="hold">
+                            <p:stCondLst>
+                              <p:cond delay="0"/>
+                            </p:stCondLst>
+                            <p:childTnLst>
+                              <p:par>
+                                <p:cTn id="5" presetID="14" presetClass="entr" presetSubtype="10" fill="hold" nodeType="clickEffect">
+                                  <p:stCondLst>
+                                    <p:cond delay="0"/>
+                                  </p:stCondLst>
+                                  <p:childTnLst>
+                                    <p:set>
+                                      <p:cBhvr>
+                                        <p:cTn id="6" dur="1" fill="hold">
+                                          <p:stCondLst>
+                                            <p:cond delay="0"/>
+                                          </p:stCondLst>
+                                        </p:cTn>
+                                        <p:tgtEl>
+                                          <p:spTgt spid="4"/>
+                                        </p:tgtEl>
+                                        <p:attrNameLst>
+                                          <p:attrName>style.visibility</p:attrName>
+                                        </p:attrNameLst>
+                                      </p:cBhvr>
+                                      <p:to>
+                                        <p:strVal val="visible"/>
+                                      </p:to>
+                                    </p:set>
+                                    <p:animEffect transition="in" filter="randombar(horizontal)">
+                                      <p:cBhvr>
+                                        <p:cTn id="7" dur="500"/>
+                                        <p:tgtEl>
+                                          <p:spTgt spid="4"/>
+                                        </p:tgtEl>
+                                      </p:cBhvr>
+                                    </p:animEffect>
+                                  </p:childTnLst>
+                                </p:cTn>
+                              </p:par>
+                            </p:childTnLst>
+                          </p:cTn>
+                        </p:par>
+                      </p:childTnLst>
+                    </p:cTn>
+                  </p:par>
+                </p:childTnLst>
+              </p:cTn>
+              <p:prevCondLst>
+                <p:cond evt="onPrev" delay="0">
+                  <p:tgtEl>
+                    <p:sldTgt/>
+                  </p:tgtEl>
+                </p:cond>
+              </p:prevCondLst>
+              <p:nextCondLst>
+                <p:cond evt="onNext" delay="0">
+                  <p:tgtEl>
+                    <p:sldTgt/>
+                  </p:tgtEl>
+                </p:cond>
+              </p:nextCondLst>
+            </p:seq>
+          </p:childTnLst>
+        </p:cTn>
+      </p:par>
+    </p:tnLst>
+  </p:timing>
 </p:sld>
 </file>
 
@@ -4869,7 +5477,7 @@
       </p:grpSpPr>
       <p:sp>
         <p:nvSpPr>
-          <p:cNvPr id="5" name="Title 4"/>
+          <p:cNvPr id="2" name="Title 1"/>
           <p:cNvSpPr>
             <a:spLocks noGrp="1"/>
           </p:cNvSpPr>
@@ -4884,21 +5492,60 @@
           <a:p>
             <a:r>
               <a:rPr lang="km-KH" dirty="0" smtClean="0"/>
-              <a:t>១. និយមន័យ</a:t>
+              <a:t>២. ទីតាំង</a:t>
             </a:r>
             <a:endParaRPr lang="en-US" dirty="0"/>
+          </a:p>
+        </p:txBody>
+      </p:sp>
+      <p:sp>
+        <p:nvSpPr>
+          <p:cNvPr id="4" name="Content Placeholder 3"/>
+          <p:cNvSpPr>
+            <a:spLocks noGrp="1"/>
+          </p:cNvSpPr>
+          <p:nvPr>
+            <p:ph sz="half" idx="2"/>
+          </p:nvPr>
+        </p:nvSpPr>
+        <p:spPr>
+          <a:xfrm>
+            <a:off x="1097280" y="1995055"/>
+            <a:ext cx="3156065" cy="3965479"/>
+          </a:xfrm>
+        </p:spPr>
+        <p:txBody>
+          <a:bodyPr>
+            <a:normAutofit/>
+          </a:bodyPr>
+          <a:lstStyle/>
+          <a:p>
+            <a:pPr algn="just">
+              <a:lnSpc>
+                <a:spcPct val="150000"/>
+              </a:lnSpc>
+            </a:pPr>
+            <a:r>
+              <a:rPr lang="km-KH" sz="2400" dirty="0" smtClean="0">
+                <a:latin typeface="Khmer OS Siemreap" panose="02000500000000020004" pitchFamily="2" charset="0"/>
+                <a:cs typeface="Khmer OS Siemreap" panose="02000500000000020004" pitchFamily="2" charset="0"/>
+              </a:rPr>
+              <a:t>ទីតាំង ស្ថិតនៅផ្ទៃខាងក្នុងផ្នែកខាងក្រោយនៃប្រហោងឆ្អឹងអាងត្រគៀកអាងស្លាបទាំងពីរនៃឆ្អឹងអាងត្រគៀក។</a:t>
+            </a:r>
+            <a:endParaRPr lang="en-US" sz="2400" dirty="0">
+              <a:latin typeface="Khmer OS Siemreap" panose="02000500000000020004" pitchFamily="2" charset="0"/>
+              <a:cs typeface="Khmer OS Siemreap" panose="02000500000000020004" pitchFamily="2" charset="0"/>
+            </a:endParaRPr>
           </a:p>
         </p:txBody>
       </p:sp>
       <p:pic>
         <p:nvPicPr>
-          <p:cNvPr id="4" name="Content Placeholder 3"/>
+          <p:cNvPr id="8" name="Picture 7"/>
           <p:cNvPicPr>
-            <a:picLocks noGrp="1" noChangeAspect="1"/>
+            <a:picLocks noChangeAspect="1"/>
           </p:cNvPicPr>
-          <p:nvPr>
-            <p:ph sz="half" idx="1"/>
-          </p:nvPr>
+          <p:nvPr/>
         </p:nvPicPr>
         <p:blipFill>
           <a:blip r:embed="rId2">
@@ -4914,143 +5561,116 @@
         </p:blipFill>
         <p:spPr>
           <a:xfrm>
-            <a:off x="6309360" y="2008909"/>
-            <a:ext cx="5029200" cy="4023360"/>
-          </a:xfrm>
+            <a:off x="4776889" y="1901152"/>
+            <a:ext cx="6378791" cy="4305684"/>
+          </a:xfrm>
+          <a:prstGeom prst="rect">
+            <a:avLst/>
+          </a:prstGeom>
         </p:spPr>
       </p:pic>
-      <p:sp>
-        <p:nvSpPr>
-          <p:cNvPr id="6" name="Content Placeholder 5"/>
-          <p:cNvSpPr>
-            <a:spLocks noGrp="1"/>
-          </p:cNvSpPr>
-          <p:nvPr>
-            <p:ph sz="half" idx="2"/>
-          </p:nvPr>
-        </p:nvSpPr>
-        <p:spPr>
-          <a:xfrm>
-            <a:off x="1097280" y="1737360"/>
-            <a:ext cx="5212080" cy="4566458"/>
-          </a:xfrm>
-        </p:spPr>
-        <p:txBody>
-          <a:bodyPr>
-            <a:noAutofit/>
-          </a:bodyPr>
-          <a:lstStyle/>
-          <a:p>
-            <a:pPr>
-              <a:lnSpc>
-                <a:spcPct val="150000"/>
-              </a:lnSpc>
-            </a:pPr>
-            <a:r>
-              <a:rPr lang="km-KH" sz="2400" dirty="0" smtClean="0">
-                <a:latin typeface="Khmer OS Siemreap" panose="02000500000000020004" pitchFamily="2" charset="0"/>
-                <a:cs typeface="Khmer OS Siemreap" panose="02000500000000020004" pitchFamily="2" charset="0"/>
-              </a:rPr>
-              <a:t>ឆ្អឹងកងគូទ គឺ</a:t>
-            </a:r>
-            <a:r>
-              <a:rPr lang="en-US" sz="2400" dirty="0" smtClean="0">
-                <a:latin typeface="Khmer OS Siemreap" panose="02000500000000020004" pitchFamily="2" charset="0"/>
-                <a:cs typeface="Khmer OS Siemreap" panose="02000500000000020004" pitchFamily="2" charset="0"/>
-              </a:rPr>
-              <a:t> </a:t>
-            </a:r>
-            <a:r>
-              <a:rPr lang="km-KH" sz="2400" dirty="0" smtClean="0">
-                <a:latin typeface="Khmer OS Siemreap" panose="02000500000000020004" pitchFamily="2" charset="0"/>
-                <a:cs typeface="Khmer OS Siemreap" panose="02000500000000020004" pitchFamily="2" charset="0"/>
-              </a:rPr>
-              <a:t>ឆ្អឹងដែលមាន​</a:t>
-            </a:r>
-            <a:r>
-              <a:rPr lang="km-KH" sz="2400" dirty="0">
-                <a:latin typeface="Khmer OS Siemreap" panose="02000500000000020004" pitchFamily="2" charset="0"/>
-                <a:cs typeface="Khmer OS Siemreap" panose="02000500000000020004" pitchFamily="2" charset="0"/>
-              </a:rPr>
-              <a:t>រាង</a:t>
-            </a:r>
-            <a:r>
-              <a:rPr lang="km-KH" sz="2400" dirty="0" smtClean="0">
-                <a:latin typeface="Khmer OS Siemreap" panose="02000500000000020004" pitchFamily="2" charset="0"/>
-                <a:cs typeface="Khmer OS Siemreap" panose="02000500000000020004" pitchFamily="2" charset="0"/>
-              </a:rPr>
-              <a:t>​ដូចត្រី</a:t>
-            </a:r>
-            <a:r>
-              <a:rPr lang="km-KH" sz="2400" dirty="0">
-                <a:latin typeface="Khmer OS Siemreap" panose="02000500000000020004" pitchFamily="2" charset="0"/>
-                <a:cs typeface="Khmer OS Siemreap" panose="02000500000000020004" pitchFamily="2" charset="0"/>
-              </a:rPr>
-              <a:t>កោណ</a:t>
-            </a:r>
-            <a:r>
-              <a:rPr lang="km-KH" sz="2400" dirty="0" smtClean="0">
-                <a:latin typeface="Khmer OS Siemreap" panose="02000500000000020004" pitchFamily="2" charset="0"/>
-                <a:cs typeface="Khmer OS Siemreap" panose="02000500000000020004" pitchFamily="2" charset="0"/>
-              </a:rPr>
-              <a:t>​​</a:t>
-            </a:r>
-            <a:r>
-              <a:rPr lang="km-KH" sz="2400" dirty="0">
-                <a:latin typeface="Khmer OS Siemreap" panose="02000500000000020004" pitchFamily="2" charset="0"/>
-                <a:cs typeface="Khmer OS Siemreap" panose="02000500000000020004" pitchFamily="2" charset="0"/>
-              </a:rPr>
-              <a:t>នៅ​ផ្នែក​ខាង​ក្រោម​ដែល​កើត​ចេញ​ពី​ឆ្អឹង​កង​ខ្នង​ដែល​លាយ​បញ្ចូល​គ្នា និង​ស្ថិត​នៅ​ចន្លោះ​ឆ្អឹង​ត្រគាក​ពីរ​នៃ​ឆ្អឹង​អាង​ត្រគា</a:t>
-            </a:r>
-            <a:r>
-              <a:rPr lang="km-KH" sz="2400" dirty="0" smtClean="0">
-                <a:latin typeface="Khmer OS Siemreap" panose="02000500000000020004" pitchFamily="2" charset="0"/>
-                <a:cs typeface="Khmer OS Siemreap" panose="02000500000000020004" pitchFamily="2" charset="0"/>
-              </a:rPr>
-              <a:t>ក។</a:t>
-            </a:r>
-            <a:r>
-              <a:rPr lang="en-US" sz="2400" dirty="0" smtClean="0">
-                <a:latin typeface="Khmer OS Siemreap" panose="02000500000000020004" pitchFamily="2" charset="0"/>
-                <a:cs typeface="Khmer OS Siemreap" panose="02000500000000020004" pitchFamily="2" charset="0"/>
-              </a:rPr>
-              <a:t> </a:t>
-            </a:r>
-            <a:r>
-              <a:rPr lang="km-KH" sz="2400" dirty="0" smtClean="0">
-                <a:latin typeface="Khmer OS Siemreap" panose="02000500000000020004" pitchFamily="2" charset="0"/>
-                <a:cs typeface="Khmer OS Siemreap" panose="02000500000000020004" pitchFamily="2" charset="0"/>
-              </a:rPr>
-              <a:t>ហើយជា</a:t>
-            </a:r>
-            <a:r>
-              <a:rPr lang="km-KH" sz="2400" dirty="0">
-                <a:latin typeface="Khmer OS Siemreap" panose="02000500000000020004" pitchFamily="2" charset="0"/>
-                <a:cs typeface="Khmer OS Siemreap" panose="02000500000000020004" pitchFamily="2" charset="0"/>
-              </a:rPr>
-              <a:t>ឆ្អឹងតែមួយដែលមាន ឆ្អឹងកង ចំនួនប្រាំដាច់ដោយឡែក ដែលប្រសព្វគ្នាក្នុងអំឡុងពេលពេញវ័យ។ វាបង្កើតជាមូលដ្ឋានគ្រឹះនៃខ្នងផ្នែកខាងក្រោម និងឆ្អឹងអាងត្រគាក។</a:t>
-            </a:r>
-            <a:endParaRPr lang="en-US" sz="2400" dirty="0">
-              <a:latin typeface="Khmer OS Siemreap" panose="02000500000000020004" pitchFamily="2" charset="0"/>
-              <a:cs typeface="Khmer OS Siemreap" panose="02000500000000020004" pitchFamily="2" charset="0"/>
-            </a:endParaRPr>
-          </a:p>
-        </p:txBody>
-      </p:sp>
     </p:spTree>
     <p:extLst>
       <p:ext uri="{BB962C8B-B14F-4D97-AF65-F5344CB8AC3E}">
-        <p14:creationId xmlns:p14="http://schemas.microsoft.com/office/powerpoint/2010/main" val="3185350733"/>
+        <p14:creationId xmlns:p14="http://schemas.microsoft.com/office/powerpoint/2010/main" val="2016811769"/>
       </p:ext>
     </p:extLst>
   </p:cSld>
   <p:clrMapOvr>
     <a:masterClrMapping/>
   </p:clrMapOvr>
+  <mc:AlternateContent xmlns:mc="http://schemas.openxmlformats.org/markup-compatibility/2006">
+    <mc:Choice xmlns:p15="http://schemas.microsoft.com/office/powerpoint/2012/main" Requires="p15">
+      <p:transition xmlns:p14="http://schemas.microsoft.com/office/powerpoint/2010/main" spd="slow" p14:dur="1250">
+        <p15:prstTrans prst="peelOff"/>
+      </p:transition>
+    </mc:Choice>
+    <mc:Fallback>
+      <p:transition spd="slow">
+        <p:fade/>
+      </p:transition>
+    </mc:Fallback>
+  </mc:AlternateContent>
   <p:timing>
     <p:tnLst>
       <p:par>
-        <p:cTn id="1" dur="indefinite" restart="never" nodeType="tmRoot"/>
+        <p:cTn id="1" dur="indefinite" restart="never" nodeType="tmRoot">
+          <p:childTnLst>
+            <p:seq concurrent="1" nextAc="seek">
+              <p:cTn id="2" dur="indefinite" nodeType="mainSeq">
+                <p:childTnLst>
+                  <p:par>
+                    <p:cTn id="3" fill="hold">
+                      <p:stCondLst>
+                        <p:cond delay="indefinite"/>
+                      </p:stCondLst>
+                      <p:childTnLst>
+                        <p:par>
+                          <p:cTn id="4" fill="hold">
+                            <p:stCondLst>
+                              <p:cond delay="0"/>
+                            </p:stCondLst>
+                            <p:childTnLst>
+                              <p:par>
+                                <p:cTn id="5" presetID="14" presetClass="entr" presetSubtype="10" fill="hold" nodeType="clickEffect">
+                                  <p:stCondLst>
+                                    <p:cond delay="0"/>
+                                  </p:stCondLst>
+                                  <p:childTnLst>
+                                    <p:set>
+                                      <p:cBhvr>
+                                        <p:cTn id="6" dur="1" fill="hold">
+                                          <p:stCondLst>
+                                            <p:cond delay="0"/>
+                                          </p:stCondLst>
+                                        </p:cTn>
+                                        <p:tgtEl>
+                                          <p:spTgt spid="8"/>
+                                        </p:tgtEl>
+                                        <p:attrNameLst>
+                                          <p:attrName>style.visibility</p:attrName>
+                                        </p:attrNameLst>
+                                      </p:cBhvr>
+                                      <p:to>
+                                        <p:strVal val="visible"/>
+                                      </p:to>
+                                    </p:set>
+                                    <p:animEffect transition="in" filter="randombar(horizontal)">
+                                      <p:cBhvr>
+                                        <p:cTn id="7" dur="500"/>
+                                        <p:tgtEl>
+                                          <p:spTgt spid="8"/>
+                                        </p:tgtEl>
+                                      </p:cBhvr>
+                                    </p:animEffect>
+                                  </p:childTnLst>
+                                </p:cTn>
+                              </p:par>
+                            </p:childTnLst>
+                          </p:cTn>
+                        </p:par>
+                      </p:childTnLst>
+                    </p:cTn>
+                  </p:par>
+                </p:childTnLst>
+              </p:cTn>
+              <p:prevCondLst>
+                <p:cond evt="onPrev" delay="0">
+                  <p:tgtEl>
+                    <p:sldTgt/>
+                  </p:tgtEl>
+                </p:cond>
+              </p:prevCondLst>
+              <p:nextCondLst>
+                <p:cond evt="onNext" delay="0">
+                  <p:tgtEl>
+                    <p:sldTgt/>
+                  </p:tgtEl>
+                </p:cond>
+              </p:nextCondLst>
+            </p:seq>
+          </p:childTnLst>
+        </p:cTn>
       </p:par>
     </p:tnLst>
   </p:timing>
@@ -5091,7 +5711,7 @@
           <a:p>
             <a:r>
               <a:rPr lang="km-KH" dirty="0" smtClean="0"/>
-              <a:t>២. ទីតាំង</a:t>
+              <a:t>៣. ចំនួន</a:t>
             </a:r>
             <a:endParaRPr lang="en-US" dirty="0"/>
           </a:p>
@@ -5099,18 +5719,18 @@
       </p:sp>
       <p:sp>
         <p:nvSpPr>
-          <p:cNvPr id="4" name="Content Placeholder 3"/>
-          <p:cNvSpPr>
-            <a:spLocks noGrp="1"/>
-          </p:cNvSpPr>
-          <p:nvPr>
-            <p:ph sz="half" idx="2"/>
+          <p:cNvPr id="3" name="Content Placeholder 2"/>
+          <p:cNvSpPr>
+            <a:spLocks noGrp="1"/>
+          </p:cNvSpPr>
+          <p:nvPr>
+            <p:ph idx="1"/>
           </p:nvPr>
         </p:nvSpPr>
         <p:spPr>
           <a:xfrm>
-            <a:off x="1097280" y="1995055"/>
-            <a:ext cx="3156065" cy="3965479"/>
+            <a:off x="1097281" y="1845734"/>
+            <a:ext cx="3973484" cy="4023360"/>
           </a:xfrm>
         </p:spPr>
         <p:txBody>
@@ -5119,19 +5739,97 @@
           </a:bodyPr>
           <a:lstStyle/>
           <a:p>
-            <a:pPr algn="just">
+            <a:pPr marL="0" indent="0">
               <a:lnSpc>
                 <a:spcPct val="150000"/>
               </a:lnSpc>
+              <a:buNone/>
             </a:pPr>
             <a:r>
-              <a:rPr lang="km-KH" sz="2400" dirty="0" smtClean="0">
+              <a:rPr lang="km-KH" sz="2800" dirty="0" smtClean="0">
                 <a:latin typeface="Khmer OS Siemreap" panose="02000500000000020004" pitchFamily="2" charset="0"/>
                 <a:cs typeface="Khmer OS Siemreap" panose="02000500000000020004" pitchFamily="2" charset="0"/>
               </a:rPr>
-              <a:t>ទីតាំង ស្ថិតនៅផ្ទៃខាងក្នុងផ្នែកខាងក្រោយនៃប្រហោងឆ្អឹងអាងត្រគៀកអាងស្លាបទាំងពីរនៃឆ្អឹងអាងត្រគៀក។</a:t>
-            </a:r>
-            <a:endParaRPr lang="en-US" sz="2400" dirty="0">
+              <a:t>ឆ្អឹង</a:t>
+            </a:r>
+            <a:r>
+              <a:rPr lang="km-KH" sz="2800" dirty="0">
+                <a:latin typeface="Khmer OS Siemreap" panose="02000500000000020004" pitchFamily="2" charset="0"/>
+                <a:cs typeface="Khmer OS Siemreap" panose="02000500000000020004" pitchFamily="2" charset="0"/>
+              </a:rPr>
+              <a:t>កង</a:t>
+            </a:r>
+            <a:r>
+              <a:rPr lang="km-KH" sz="2800" dirty="0" smtClean="0">
+                <a:latin typeface="Khmer OS Siemreap" panose="02000500000000020004" pitchFamily="2" charset="0"/>
+                <a:cs typeface="Khmer OS Siemreap" panose="02000500000000020004" pitchFamily="2" charset="0"/>
+              </a:rPr>
+              <a:t>គូទត្រូវបានភ្ជាប់ដោយឆ្អឹងកងចំនួន​៥ ដែលនៅក្នុងរូបភាពតាងដោយ </a:t>
+            </a:r>
+            <a:r>
+              <a:rPr lang="en-US" sz="2800" dirty="0" smtClean="0">
+                <a:latin typeface="Khmer OS Siemreap" panose="02000500000000020004" pitchFamily="2" charset="0"/>
+                <a:cs typeface="Khmer OS Siemreap" panose="02000500000000020004" pitchFamily="2" charset="0"/>
+              </a:rPr>
+              <a:t>S1 </a:t>
+            </a:r>
+            <a:r>
+              <a:rPr lang="km-KH" sz="2800" dirty="0" smtClean="0">
+                <a:latin typeface="Khmer OS Siemreap" panose="02000500000000020004" pitchFamily="2" charset="0"/>
+                <a:cs typeface="Khmer OS Siemreap" panose="02000500000000020004" pitchFamily="2" charset="0"/>
+              </a:rPr>
+              <a:t>ដល់ </a:t>
+            </a:r>
+            <a:r>
+              <a:rPr lang="en-US" sz="2800" dirty="0" smtClean="0">
+                <a:latin typeface="Khmer OS Siemreap" panose="02000500000000020004" pitchFamily="2" charset="0"/>
+                <a:cs typeface="Khmer OS Siemreap" panose="02000500000000020004" pitchFamily="2" charset="0"/>
+              </a:rPr>
+              <a:t>S5 </a:t>
+            </a:r>
+            <a:r>
+              <a:rPr lang="en-US" sz="2800" dirty="0" smtClean="0">
+                <a:latin typeface="Khmer OS Siemreap" panose="02000500000000020004" pitchFamily="2" charset="0"/>
+                <a:cs typeface="Khmer OS Siemreap" panose="02000500000000020004" pitchFamily="2" charset="0"/>
+              </a:rPr>
+              <a:t>(</a:t>
+            </a:r>
+            <a:r>
+              <a:rPr lang="en-US" sz="2800" smtClean="0">
+                <a:latin typeface="Khmer OS Siemreap" panose="02000500000000020004" pitchFamily="2" charset="0"/>
+                <a:cs typeface="Khmer OS Siemreap" panose="02000500000000020004" pitchFamily="2" charset="0"/>
+              </a:rPr>
+              <a:t>Sacrum : </a:t>
+            </a:r>
+            <a:r>
+              <a:rPr lang="km-KH" sz="2800" smtClean="0">
+                <a:latin typeface="Khmer OS Siemreap" panose="02000500000000020004" pitchFamily="2" charset="0"/>
+                <a:cs typeface="Khmer OS Siemreap" panose="02000500000000020004" pitchFamily="2" charset="0"/>
+              </a:rPr>
+              <a:t>ឆ្អឹង</a:t>
+            </a:r>
+            <a:r>
+              <a:rPr lang="km-KH" sz="2800" dirty="0" smtClean="0">
+                <a:latin typeface="Khmer OS Siemreap" panose="02000500000000020004" pitchFamily="2" charset="0"/>
+                <a:cs typeface="Khmer OS Siemreap" panose="02000500000000020004" pitchFamily="2" charset="0"/>
+              </a:rPr>
+              <a:t>កងគូទ</a:t>
+            </a:r>
+            <a:r>
+              <a:rPr lang="en-US" sz="2800" dirty="0" smtClean="0">
+                <a:latin typeface="Khmer OS Siemreap" panose="02000500000000020004" pitchFamily="2" charset="0"/>
+                <a:cs typeface="Khmer OS Siemreap" panose="02000500000000020004" pitchFamily="2" charset="0"/>
+              </a:rPr>
+              <a:t>)</a:t>
+            </a:r>
+            <a:r>
+              <a:rPr lang="km-KH" sz="2800" dirty="0" smtClean="0">
+                <a:latin typeface="Khmer OS Siemreap" panose="02000500000000020004" pitchFamily="2" charset="0"/>
+                <a:cs typeface="Khmer OS Siemreap" panose="02000500000000020004" pitchFamily="2" charset="0"/>
+              </a:rPr>
+              <a:t>។ </a:t>
+            </a:r>
+            <a:endParaRPr lang="en-US" sz="2800" dirty="0">
               <a:latin typeface="Khmer OS Siemreap" panose="02000500000000020004" pitchFamily="2" charset="0"/>
               <a:cs typeface="Khmer OS Siemreap" panose="02000500000000020004" pitchFamily="2" charset="0"/>
             </a:endParaRPr>
@@ -5140,7 +5838,7 @@
       </p:sp>
       <p:pic>
         <p:nvPicPr>
-          <p:cNvPr id="8" name="Picture 7"/>
+          <p:cNvPr id="4" name="Picture 3"/>
           <p:cNvPicPr>
             <a:picLocks noChangeAspect="1"/>
           </p:cNvPicPr>
@@ -5160,8 +5858,8 @@
         </p:blipFill>
         <p:spPr>
           <a:xfrm>
-            <a:off x="4776889" y="1901152"/>
-            <a:ext cx="6378791" cy="4305684"/>
+            <a:off x="5447607" y="1845734"/>
+            <a:ext cx="5708073" cy="4281055"/>
           </a:xfrm>
           <a:prstGeom prst="rect">
             <a:avLst/>
@@ -5171,13 +5869,154 @@
     </p:spTree>
     <p:extLst>
       <p:ext uri="{BB962C8B-B14F-4D97-AF65-F5344CB8AC3E}">
-        <p14:creationId xmlns:p14="http://schemas.microsoft.com/office/powerpoint/2010/main" val="2016811769"/>
+        <p14:creationId xmlns:p14="http://schemas.microsoft.com/office/powerpoint/2010/main" val="1158740376"/>
       </p:ext>
     </p:extLst>
   </p:cSld>
   <p:clrMapOvr>
     <a:masterClrMapping/>
   </p:clrMapOvr>
+  <mc:AlternateContent xmlns:mc="http://schemas.openxmlformats.org/markup-compatibility/2006">
+    <mc:Choice xmlns:p15="http://schemas.microsoft.com/office/powerpoint/2012/main" Requires="p15">
+      <p:transition xmlns:p14="http://schemas.microsoft.com/office/powerpoint/2010/main" spd="slow" p14:dur="2000">
+        <p15:prstTrans prst="fracture"/>
+      </p:transition>
+    </mc:Choice>
+    <mc:Fallback>
+      <p:transition spd="slow">
+        <p:fade/>
+      </p:transition>
+    </mc:Fallback>
+  </mc:AlternateContent>
+  <p:timing>
+    <p:tnLst>
+      <p:par>
+        <p:cTn id="1" dur="indefinite" restart="never" nodeType="tmRoot">
+          <p:childTnLst>
+            <p:seq concurrent="1" nextAc="seek">
+              <p:cTn id="2" dur="indefinite" nodeType="mainSeq">
+                <p:childTnLst>
+                  <p:par>
+                    <p:cTn id="3" fill="hold">
+                      <p:stCondLst>
+                        <p:cond delay="indefinite"/>
+                      </p:stCondLst>
+                      <p:childTnLst>
+                        <p:par>
+                          <p:cTn id="4" fill="hold">
+                            <p:stCondLst>
+                              <p:cond delay="0"/>
+                            </p:stCondLst>
+                            <p:childTnLst>
+                              <p:par>
+                                <p:cTn id="5" presetID="53" presetClass="entr" presetSubtype="16" fill="hold" nodeType="clickEffect">
+                                  <p:stCondLst>
+                                    <p:cond delay="0"/>
+                                  </p:stCondLst>
+                                  <p:childTnLst>
+                                    <p:set>
+                                      <p:cBhvr>
+                                        <p:cTn id="6" dur="1" fill="hold">
+                                          <p:stCondLst>
+                                            <p:cond delay="0"/>
+                                          </p:stCondLst>
+                                        </p:cTn>
+                                        <p:tgtEl>
+                                          <p:spTgt spid="4"/>
+                                        </p:tgtEl>
+                                        <p:attrNameLst>
+                                          <p:attrName>style.visibility</p:attrName>
+                                        </p:attrNameLst>
+                                      </p:cBhvr>
+                                      <p:to>
+                                        <p:strVal val="visible"/>
+                                      </p:to>
+                                    </p:set>
+                                    <p:anim calcmode="lin" valueType="num">
+                                      <p:cBhvr>
+                                        <p:cTn id="7" dur="500" fill="hold"/>
+                                        <p:tgtEl>
+                                          <p:spTgt spid="4"/>
+                                        </p:tgtEl>
+                                        <p:attrNameLst>
+                                          <p:attrName>ppt_w</p:attrName>
+                                        </p:attrNameLst>
+                                      </p:cBhvr>
+                                      <p:tavLst>
+                                        <p:tav tm="0">
+                                          <p:val>
+                                            <p:fltVal val="0"/>
+                                          </p:val>
+                                        </p:tav>
+                                        <p:tav tm="100000">
+                                          <p:val>
+                                            <p:strVal val="#ppt_w"/>
+                                          </p:val>
+                                        </p:tav>
+                                      </p:tavLst>
+                                    </p:anim>
+                                    <p:anim calcmode="lin" valueType="num">
+                                      <p:cBhvr>
+                                        <p:cTn id="8" dur="500" fill="hold"/>
+                                        <p:tgtEl>
+                                          <p:spTgt spid="4"/>
+                                        </p:tgtEl>
+                                        <p:attrNameLst>
+                                          <p:attrName>ppt_h</p:attrName>
+                                        </p:attrNameLst>
+                                      </p:cBhvr>
+                                      <p:tavLst>
+                                        <p:tav tm="0">
+                                          <p:val>
+                                            <p:fltVal val="0"/>
+                                          </p:val>
+                                        </p:tav>
+                                        <p:tav tm="100000">
+                                          <p:val>
+                                            <p:strVal val="#ppt_h"/>
+                                          </p:val>
+                                        </p:tav>
+                                      </p:tavLst>
+                                    </p:anim>
+                                    <p:animEffect transition="in" filter="fade">
+                                      <p:cBhvr>
+                                        <p:cTn id="9" dur="500"/>
+                                        <p:tgtEl>
+                                          <p:spTgt spid="4"/>
+                                        </p:tgtEl>
+                                      </p:cBhvr>
+                                    </p:animEffect>
+                                  </p:childTnLst>
+                                </p:cTn>
+                              </p:par>
+                            </p:childTnLst>
+                          </p:cTn>
+                        </p:par>
+                      </p:childTnLst>
+                    </p:cTn>
+                  </p:par>
+                </p:childTnLst>
+              </p:cTn>
+              <p:prevCondLst>
+                <p:cond evt="onPrev" delay="0">
+                  <p:tgtEl>
+                    <p:sldTgt/>
+                  </p:tgtEl>
+                </p:cond>
+              </p:prevCondLst>
+              <p:nextCondLst>
+                <p:cond evt="onNext" delay="0">
+                  <p:tgtEl>
+                    <p:sldTgt/>
+                  </p:tgtEl>
+                </p:cond>
+              </p:nextCondLst>
+            </p:seq>
+          </p:childTnLst>
+        </p:cTn>
+      </p:par>
+    </p:tnLst>
+  </p:timing>
 </p:sld>
 </file>
 
@@ -5215,7 +6054,15 @@
           <a:p>
             <a:r>
               <a:rPr lang="km-KH" dirty="0" smtClean="0"/>
-              <a:t>៣. ចំនួន</a:t>
+              <a:t>៤. មុខងារ</a:t>
+            </a:r>
+            <a:r>
+              <a:rPr lang="en-US" dirty="0" smtClean="0"/>
+              <a:t> </a:t>
+            </a:r>
+            <a:r>
+              <a:rPr lang="km-KH" dirty="0" smtClean="0"/>
+              <a:t>និងតួនាទី</a:t>
             </a:r>
             <a:endParaRPr lang="en-US" dirty="0"/>
           </a:p>
@@ -5233,8 +6080,8 @@
         </p:nvSpPr>
         <p:spPr>
           <a:xfrm>
-            <a:off x="1097281" y="1845734"/>
-            <a:ext cx="3973484" cy="4023360"/>
+            <a:off x="1097280" y="1845734"/>
+            <a:ext cx="4541520" cy="4023360"/>
           </a:xfrm>
         </p:spPr>
         <p:txBody>
@@ -5243,62 +6090,110 @@
           </a:bodyPr>
           <a:lstStyle/>
           <a:p>
-            <a:pPr marL="0" indent="0">
+            <a:pPr>
               <a:lnSpc>
                 <a:spcPct val="150000"/>
               </a:lnSpc>
-              <a:buNone/>
             </a:pPr>
             <a:r>
-              <a:rPr lang="km-KH" sz="2800" dirty="0" smtClean="0">
+              <a:rPr lang="km-KH" sz="2400" dirty="0" smtClean="0">
                 <a:latin typeface="Khmer OS Siemreap" panose="02000500000000020004" pitchFamily="2" charset="0"/>
                 <a:cs typeface="Khmer OS Siemreap" panose="02000500000000020004" pitchFamily="2" charset="0"/>
               </a:rPr>
-              <a:t>ឆ្អឹង</a:t>
-            </a:r>
-            <a:r>
-              <a:rPr lang="km-KH" sz="2800" dirty="0">
+              <a:t>ឆ្អឹងកងគូទ របស់</a:t>
+            </a:r>
+            <a:r>
+              <a:rPr lang="km-KH" sz="2400" dirty="0">
                 <a:latin typeface="Khmer OS Siemreap" panose="02000500000000020004" pitchFamily="2" charset="0"/>
                 <a:cs typeface="Khmer OS Siemreap" panose="02000500000000020004" pitchFamily="2" charset="0"/>
               </a:rPr>
-              <a:t>កង</a:t>
-            </a:r>
-            <a:r>
-              <a:rPr lang="km-KH" sz="2800" dirty="0" smtClean="0">
+              <a:t>មនុស្សផ្តល់នូវ</a:t>
+            </a:r>
+            <a:r>
+              <a:rPr lang="km-KH" sz="2400" dirty="0" smtClean="0">
                 <a:latin typeface="Khmer OS Siemreap" panose="02000500000000020004" pitchFamily="2" charset="0"/>
                 <a:cs typeface="Khmer OS Siemreap" panose="02000500000000020004" pitchFamily="2" charset="0"/>
               </a:rPr>
-              <a:t>គូទត្រូវបានភ្ជាប់ដោយឆ្អឹងកងចំនួន​៥ ដែលនៅក្នុងរូបភាពតាងដោយ </a:t>
-            </a:r>
-            <a:r>
-              <a:rPr lang="en-US" sz="2800" dirty="0" smtClean="0">
+              <a:t>មូល</a:t>
+            </a:r>
+            <a:r>
+              <a:rPr lang="en-US" sz="2400" dirty="0" smtClean="0">
                 <a:latin typeface="Khmer OS Siemreap" panose="02000500000000020004" pitchFamily="2" charset="0"/>
                 <a:cs typeface="Khmer OS Siemreap" panose="02000500000000020004" pitchFamily="2" charset="0"/>
               </a:rPr>
-              <a:t>S1 </a:t>
-            </a:r>
-            <a:r>
-              <a:rPr lang="km-KH" sz="2800" dirty="0" smtClean="0">
+              <a:t>  </a:t>
+            </a:r>
+            <a:r>
+              <a:rPr lang="km-KH" sz="2400" dirty="0" smtClean="0">
                 <a:latin typeface="Khmer OS Siemreap" panose="02000500000000020004" pitchFamily="2" charset="0"/>
                 <a:cs typeface="Khmer OS Siemreap" panose="02000500000000020004" pitchFamily="2" charset="0"/>
               </a:rPr>
-              <a:t>ដល់ </a:t>
-            </a:r>
-            <a:r>
-              <a:rPr lang="en-US" sz="2800" dirty="0" smtClean="0">
+              <a:t>ដ្</a:t>
+            </a:r>
+            <a:r>
+              <a:rPr lang="km-KH" sz="2400" dirty="0">
                 <a:latin typeface="Khmer OS Siemreap" panose="02000500000000020004" pitchFamily="2" charset="0"/>
                 <a:cs typeface="Khmer OS Siemreap" panose="02000500000000020004" pitchFamily="2" charset="0"/>
               </a:rPr>
-              <a:t>S5 </a:t>
-            </a:r>
-            <a:r>
-              <a:rPr lang="km-KH" sz="2800" dirty="0" smtClean="0">
+              <a:t>ឋានគ្រឹះដ៏រឹងមាំសម្រាប់ការបង្កើតឆ្អឹងអាងត្រគាក។ ដោយសារមនុស្សដើរលើជើងពីរ </a:t>
+            </a:r>
+            <a:r>
+              <a:rPr lang="km-KH" sz="2400" dirty="0" smtClean="0">
                 <a:latin typeface="Khmer OS Siemreap" panose="02000500000000020004" pitchFamily="2" charset="0"/>
                 <a:cs typeface="Khmer OS Siemreap" panose="02000500000000020004" pitchFamily="2" charset="0"/>
               </a:rPr>
-              <a:t>។ </a:t>
-            </a:r>
-            <a:endParaRPr lang="en-US" sz="2800" dirty="0">
+              <a:t>រាង</a:t>
+            </a:r>
+            <a:r>
+              <a:rPr lang="km-KH" sz="2400" dirty="0">
+                <a:latin typeface="Khmer OS Siemreap" panose="02000500000000020004" pitchFamily="2" charset="0"/>
+                <a:cs typeface="Khmer OS Siemreap" panose="02000500000000020004" pitchFamily="2" charset="0"/>
+              </a:rPr>
+              <a:t>កាយត្រូវការចំណុចដែលមានស្</a:t>
+            </a:r>
+            <a:r>
+              <a:rPr lang="km-KH" sz="2400" dirty="0" smtClean="0">
+                <a:latin typeface="Khmer OS Siemreap" panose="02000500000000020004" pitchFamily="2" charset="0"/>
+                <a:cs typeface="Khmer OS Siemreap" panose="02000500000000020004" pitchFamily="2" charset="0"/>
+              </a:rPr>
+              <a:t>ថេរភាព</a:t>
+            </a:r>
+            <a:r>
+              <a:rPr lang="en-US" sz="2400" dirty="0" smtClean="0">
+                <a:latin typeface="Khmer OS Siemreap" panose="02000500000000020004" pitchFamily="2" charset="0"/>
+                <a:cs typeface="Khmer OS Siemreap" panose="02000500000000020004" pitchFamily="2" charset="0"/>
+              </a:rPr>
+              <a:t>(</a:t>
+            </a:r>
+            <a:r>
+              <a:rPr lang="km-KH" sz="2400" dirty="0" smtClean="0">
+                <a:latin typeface="Khmer OS Siemreap" panose="02000500000000020004" pitchFamily="2" charset="0"/>
+                <a:cs typeface="Khmer OS Siemreap" panose="02000500000000020004" pitchFamily="2" charset="0"/>
+              </a:rPr>
+              <a:t>លំនឹង</a:t>
+            </a:r>
+            <a:r>
+              <a:rPr lang="en-US" sz="2400" dirty="0" smtClean="0">
+                <a:latin typeface="Khmer OS Siemreap" panose="02000500000000020004" pitchFamily="2" charset="0"/>
+                <a:cs typeface="Khmer OS Siemreap" panose="02000500000000020004" pitchFamily="2" charset="0"/>
+              </a:rPr>
+              <a:t>)</a:t>
+            </a:r>
+            <a:r>
+              <a:rPr lang="km-KH" sz="2400" dirty="0" smtClean="0">
+                <a:latin typeface="Khmer OS Siemreap" panose="02000500000000020004" pitchFamily="2" charset="0"/>
+                <a:cs typeface="Khmer OS Siemreap" panose="02000500000000020004" pitchFamily="2" charset="0"/>
+              </a:rPr>
+              <a:t>ដែល</a:t>
+            </a:r>
+            <a:r>
+              <a:rPr lang="km-KH" sz="2400" dirty="0">
+                <a:latin typeface="Khmer OS Siemreap" panose="02000500000000020004" pitchFamily="2" charset="0"/>
+                <a:cs typeface="Khmer OS Siemreap" panose="02000500000000020004" pitchFamily="2" charset="0"/>
+              </a:rPr>
+              <a:t>សាច់ដុំនៃជើង និងស្នូលអាចភ្ជាប់បាន។</a:t>
+            </a:r>
+            <a:endParaRPr lang="en-US" sz="2400" dirty="0">
               <a:latin typeface="Khmer OS Siemreap" panose="02000500000000020004" pitchFamily="2" charset="0"/>
               <a:cs typeface="Khmer OS Siemreap" panose="02000500000000020004" pitchFamily="2" charset="0"/>
             </a:endParaRPr>
@@ -5307,7 +6202,7 @@
       </p:sp>
       <p:pic>
         <p:nvPicPr>
-          <p:cNvPr id="4" name="Picture 3"/>
+          <p:cNvPr id="5" name="Picture 4"/>
           <p:cNvPicPr>
             <a:picLocks noChangeAspect="1"/>
           </p:cNvPicPr>
@@ -5327,8 +6222,8 @@
         </p:blipFill>
         <p:spPr>
           <a:xfrm>
-            <a:off x="5447607" y="1845734"/>
-            <a:ext cx="5708073" cy="4281055"/>
+            <a:off x="6392733" y="1845734"/>
+            <a:ext cx="4762947" cy="4308764"/>
           </a:xfrm>
           <a:prstGeom prst="rect">
             <a:avLst/>
@@ -5338,13 +6233,108 @@
     </p:spTree>
     <p:extLst>
       <p:ext uri="{BB962C8B-B14F-4D97-AF65-F5344CB8AC3E}">
-        <p14:creationId xmlns:p14="http://schemas.microsoft.com/office/powerpoint/2010/main" val="1158740376"/>
+        <p14:creationId xmlns:p14="http://schemas.microsoft.com/office/powerpoint/2010/main" val="1573821205"/>
       </p:ext>
     </p:extLst>
   </p:cSld>
   <p:clrMapOvr>
     <a:masterClrMapping/>
   </p:clrMapOvr>
+  <mc:AlternateContent xmlns:mc="http://schemas.openxmlformats.org/markup-compatibility/2006">
+    <mc:Choice xmlns:p14="http://schemas.microsoft.com/office/powerpoint/2010/main" Requires="p14">
+      <p:transition spd="slow" p14:dur="2500">
+        <p:checker/>
+      </p:transition>
+    </mc:Choice>
+    <mc:Fallback>
+      <p:transition spd="slow">
+        <p:checker/>
+      </p:transition>
+    </mc:Fallback>
+  </mc:AlternateContent>
+  <p:timing>
+    <p:tnLst>
+      <p:par>
+        <p:cTn id="1" dur="indefinite" restart="never" nodeType="tmRoot">
+          <p:childTnLst>
+            <p:seq concurrent="1" nextAc="seek">
+              <p:cTn id="2" dur="indefinite" nodeType="mainSeq">
+                <p:childTnLst>
+                  <p:par>
+                    <p:cTn id="3" fill="hold">
+                      <p:stCondLst>
+                        <p:cond delay="indefinite"/>
+                      </p:stCondLst>
+                      <p:childTnLst>
+                        <p:par>
+                          <p:cTn id="4" fill="hold">
+                            <p:stCondLst>
+                              <p:cond delay="0"/>
+                            </p:stCondLst>
+                            <p:childTnLst>
+                              <p:par>
+                                <p:cTn id="5" presetID="10" presetClass="entr" presetSubtype="0" fill="hold" nodeType="clickEffect">
+                                  <p:stCondLst>
+                                    <p:cond delay="0"/>
+                                  </p:stCondLst>
+                                  <p:childTnLst>
+                                    <p:set>
+                                      <p:cBhvr>
+                                        <p:cTn id="6" dur="1" fill="hold">
+                                          <p:stCondLst>
+                                            <p:cond delay="0"/>
+                                          </p:stCondLst>
+                                        </p:cTn>
+                                        <p:tgtEl>
+                                          <p:spTgt spid="5"/>
+                                        </p:tgtEl>
+                                        <p:attrNameLst>
+                                          <p:attrName>style.visibility</p:attrName>
+                                        </p:attrNameLst>
+                                      </p:cBhvr>
+                                      <p:to>
+                                        <p:strVal val="visible"/>
+                                      </p:to>
+                                    </p:set>
+                                    <p:animEffect transition="in" filter="fade">
+                                      <p:cBhvr>
+                                        <p:cTn id="7" dur="500"/>
+                                        <p:tgtEl>
+                                          <p:spTgt spid="5"/>
+                                        </p:tgtEl>
+                                      </p:cBhvr>
+                                    </p:animEffect>
+                                  </p:childTnLst>
+                                </p:cTn>
+                              </p:par>
+                            </p:childTnLst>
+                          </p:cTn>
+                        </p:par>
+                      </p:childTnLst>
+                    </p:cTn>
+                  </p:par>
+                </p:childTnLst>
+              </p:cTn>
+              <p:prevCondLst>
+                <p:cond evt="onPrev" delay="0">
+                  <p:tgtEl>
+                    <p:sldTgt/>
+                  </p:tgtEl>
+                </p:cond>
+              </p:prevCondLst>
+              <p:nextCondLst>
+                <p:cond evt="onNext" delay="0">
+                  <p:tgtEl>
+                    <p:sldTgt/>
+                  </p:tgtEl>
+                </p:cond>
+              </p:nextCondLst>
+            </p:seq>
+          </p:childTnLst>
+        </p:cTn>
+      </p:par>
+    </p:tnLst>
+  </p:timing>
 </p:sld>
 </file>
 
@@ -5381,18 +6371,18 @@
           <a:lstStyle/>
           <a:p>
             <a:r>
-              <a:rPr lang="km-KH" dirty="0" smtClean="0"/>
+              <a:rPr lang="km-KH" dirty="0"/>
               <a:t>៤. មុខងារ</a:t>
             </a:r>
             <a:r>
-              <a:rPr lang="en-US" dirty="0" smtClean="0"/>
+              <a:rPr lang="en-US" dirty="0"/>
               <a:t> </a:t>
             </a:r>
             <a:r>
-              <a:rPr lang="km-KH" dirty="0" smtClean="0"/>
+              <a:rPr lang="km-KH" dirty="0"/>
               <a:t>និងតួនាទី</a:t>
             </a:r>
-            <a:endParaRPr lang="en-US" dirty="0"/>
+            <a:endParaRPr lang="en-US" b="1" dirty="0"/>
           </a:p>
         </p:txBody>
       </p:sp>
@@ -5406,12 +6396,7 @@
             <p:ph idx="1"/>
           </p:nvPr>
         </p:nvSpPr>
-        <p:spPr>
-          <a:xfrm>
-            <a:off x="1097280" y="1845734"/>
-            <a:ext cx="4541520" cy="4023360"/>
-          </a:xfrm>
-        </p:spPr>
+        <p:spPr/>
         <p:txBody>
           <a:bodyPr>
             <a:normAutofit/>
@@ -5422,105 +6407,109 @@
               <a:lnSpc>
                 <a:spcPct val="150000"/>
               </a:lnSpc>
+              <a:buFont typeface="Wingdings" panose="05000000000000000000" pitchFamily="2" charset="2"/>
+              <a:buChar char="Ø"/>
             </a:pPr>
             <a:r>
               <a:rPr lang="km-KH" sz="2400" dirty="0" smtClean="0">
                 <a:latin typeface="Khmer OS Siemreap" panose="02000500000000020004" pitchFamily="2" charset="0"/>
                 <a:cs typeface="Khmer OS Siemreap" panose="02000500000000020004" pitchFamily="2" charset="0"/>
               </a:rPr>
-              <a:t>ឆ្អឹងកងគូទ របស់</a:t>
-            </a:r>
-            <a:r>
-              <a:rPr lang="km-KH" sz="2400" dirty="0">
-                <a:latin typeface="Khmer OS Siemreap" panose="02000500000000020004" pitchFamily="2" charset="0"/>
-                <a:cs typeface="Khmer OS Siemreap" panose="02000500000000020004" pitchFamily="2" charset="0"/>
-              </a:rPr>
-              <a:t>មនុស្សផ្តល់នូវ</a:t>
-            </a:r>
+              <a:t> ភ្ជាប់ឆ្អឹងកងខ្នងជាមួយនឹងឆ្អឹងត្រគៀក</a:t>
+            </a:r>
+          </a:p>
+          <a:p>
+            <a:pPr>
+              <a:lnSpc>
+                <a:spcPct val="150000"/>
+              </a:lnSpc>
+              <a:buFont typeface="Wingdings" panose="05000000000000000000" pitchFamily="2" charset="2"/>
+              <a:buChar char="Ø"/>
+            </a:pPr>
             <a:r>
               <a:rPr lang="km-KH" sz="2400" dirty="0" smtClean="0">
                 <a:latin typeface="Khmer OS Siemreap" panose="02000500000000020004" pitchFamily="2" charset="0"/>
                 <a:cs typeface="Khmer OS Siemreap" panose="02000500000000020004" pitchFamily="2" charset="0"/>
               </a:rPr>
-              <a:t>មូល</a:t>
+              <a:t> ជួយផ្ដល់ជាថាមពលសម្រាប់ធ្វើ</a:t>
+            </a:r>
+            <a:r>
+              <a:rPr lang="km-KH" sz="2400" dirty="0" smtClean="0">
+                <a:latin typeface="Khmer OS Siemreap" panose="02000500000000020004" pitchFamily="2" charset="0"/>
+                <a:cs typeface="Khmer OS Siemreap" panose="02000500000000020004" pitchFamily="2" charset="0"/>
+              </a:rPr>
+              <a:t>ចលនា</a:t>
+            </a:r>
+            <a:endParaRPr lang="en-US" sz="2400" dirty="0" smtClean="0">
+              <a:latin typeface="Khmer OS Siemreap" panose="02000500000000020004" pitchFamily="2" charset="0"/>
+              <a:cs typeface="Khmer OS Siemreap" panose="02000500000000020004" pitchFamily="2" charset="0"/>
+            </a:endParaRPr>
+          </a:p>
+          <a:p>
+            <a:pPr>
+              <a:lnSpc>
+                <a:spcPct val="150000"/>
+              </a:lnSpc>
+              <a:buFont typeface="Wingdings" panose="05000000000000000000" pitchFamily="2" charset="2"/>
+              <a:buChar char="Ø"/>
+            </a:pPr>
+            <a:r>
+              <a:rPr lang="km-KH" sz="2400" dirty="0" smtClean="0">
+                <a:latin typeface="Khmer OS Siemreap" panose="02000500000000020004" pitchFamily="2" charset="0"/>
+                <a:cs typeface="Khmer OS Siemreap" panose="02000500000000020004" pitchFamily="2" charset="0"/>
+              </a:rPr>
+              <a:t> </a:t>
+            </a:r>
+            <a:r>
+              <a:rPr lang="km-KH" sz="2400" dirty="0" smtClean="0">
+                <a:latin typeface="Khmer OS Siemreap" panose="02000500000000020004" pitchFamily="2" charset="0"/>
+                <a:cs typeface="Khmer OS Siemreap" panose="02000500000000020004" pitchFamily="2" charset="0"/>
+              </a:rPr>
+              <a:t>ជួយការពារឆ្អឹងខួរឆ្អឹងខ្នង</a:t>
+            </a:r>
+          </a:p>
+          <a:p>
+            <a:pPr>
+              <a:lnSpc>
+                <a:spcPct val="150000"/>
+              </a:lnSpc>
+              <a:buFont typeface="Wingdings" panose="05000000000000000000" pitchFamily="2" charset="2"/>
+              <a:buChar char="Ø"/>
+            </a:pPr>
+            <a:r>
+              <a:rPr lang="km-KH" sz="2400" dirty="0" smtClean="0">
+                <a:latin typeface="Khmer OS Siemreap" panose="02000500000000020004" pitchFamily="2" charset="0"/>
+                <a:cs typeface="Khmer OS Siemreap" panose="02000500000000020004" pitchFamily="2" charset="0"/>
+              </a:rPr>
+              <a:t>​</a:t>
             </a:r>
             <a:r>
               <a:rPr lang="en-US" sz="2400" dirty="0" smtClean="0">
                 <a:latin typeface="Khmer OS Siemreap" panose="02000500000000020004" pitchFamily="2" charset="0"/>
                 <a:cs typeface="Khmer OS Siemreap" panose="02000500000000020004" pitchFamily="2" charset="0"/>
               </a:rPr>
-              <a:t>  </a:t>
+              <a:t> </a:t>
             </a:r>
             <a:r>
               <a:rPr lang="km-KH" sz="2400" dirty="0" smtClean="0">
                 <a:latin typeface="Khmer OS Siemreap" panose="02000500000000020004" pitchFamily="2" charset="0"/>
                 <a:cs typeface="Khmer OS Siemreap" panose="02000500000000020004" pitchFamily="2" charset="0"/>
               </a:rPr>
-              <a:t>ដ្</a:t>
-            </a:r>
-            <a:r>
-              <a:rPr lang="km-KH" sz="2400" dirty="0">
-                <a:latin typeface="Khmer OS Siemreap" panose="02000500000000020004" pitchFamily="2" charset="0"/>
-                <a:cs typeface="Khmer OS Siemreap" panose="02000500000000020004" pitchFamily="2" charset="0"/>
-              </a:rPr>
-              <a:t>ឋានគ្រឹះដ៏រឹងមាំសម្រាប់ការបង្កើតឆ្អឹងអាងត្រគាក។ ដោយសារមនុស្សដើរលើជើងពីរ </a:t>
+              <a:t>ជា</a:t>
             </a:r>
             <a:r>
               <a:rPr lang="km-KH" sz="2400" dirty="0" smtClean="0">
                 <a:latin typeface="Khmer OS Siemreap" panose="02000500000000020004" pitchFamily="2" charset="0"/>
                 <a:cs typeface="Khmer OS Siemreap" panose="02000500000000020004" pitchFamily="2" charset="0"/>
               </a:rPr>
-              <a:t>រាង</a:t>
-            </a:r>
-            <a:r>
-              <a:rPr lang="km-KH" sz="2400" dirty="0">
-                <a:latin typeface="Khmer OS Siemreap" panose="02000500000000020004" pitchFamily="2" charset="0"/>
-                <a:cs typeface="Khmer OS Siemreap" panose="02000500000000020004" pitchFamily="2" charset="0"/>
-              </a:rPr>
-              <a:t>កាយត្រូវការចំណុចដែលមានស្</a:t>
-            </a:r>
-            <a:r>
-              <a:rPr lang="km-KH" sz="2400" dirty="0" smtClean="0">
-                <a:latin typeface="Khmer OS Siemreap" panose="02000500000000020004" pitchFamily="2" charset="0"/>
-                <a:cs typeface="Khmer OS Siemreap" panose="02000500000000020004" pitchFamily="2" charset="0"/>
-              </a:rPr>
-              <a:t>ថេរភាព</a:t>
-            </a:r>
-            <a:r>
-              <a:rPr lang="en-US" sz="2400" dirty="0" smtClean="0">
-                <a:latin typeface="Khmer OS Siemreap" panose="02000500000000020004" pitchFamily="2" charset="0"/>
-                <a:cs typeface="Khmer OS Siemreap" panose="02000500000000020004" pitchFamily="2" charset="0"/>
-              </a:rPr>
-              <a:t>(</a:t>
-            </a:r>
-            <a:r>
-              <a:rPr lang="km-KH" sz="2400" dirty="0" smtClean="0">
-                <a:latin typeface="Khmer OS Siemreap" panose="02000500000000020004" pitchFamily="2" charset="0"/>
-                <a:cs typeface="Khmer OS Siemreap" panose="02000500000000020004" pitchFamily="2" charset="0"/>
-              </a:rPr>
-              <a:t>លំនឹង</a:t>
-            </a:r>
-            <a:r>
-              <a:rPr lang="en-US" sz="2400" dirty="0" smtClean="0">
-                <a:latin typeface="Khmer OS Siemreap" panose="02000500000000020004" pitchFamily="2" charset="0"/>
-                <a:cs typeface="Khmer OS Siemreap" panose="02000500000000020004" pitchFamily="2" charset="0"/>
-              </a:rPr>
-              <a:t>)</a:t>
-            </a:r>
-            <a:r>
-              <a:rPr lang="km-KH" sz="2400" dirty="0" smtClean="0">
-                <a:latin typeface="Khmer OS Siemreap" panose="02000500000000020004" pitchFamily="2" charset="0"/>
-                <a:cs typeface="Khmer OS Siemreap" panose="02000500000000020004" pitchFamily="2" charset="0"/>
-              </a:rPr>
-              <a:t>ដែល</a:t>
-            </a:r>
-            <a:r>
-              <a:rPr lang="km-KH" sz="2400" dirty="0">
-                <a:latin typeface="Khmer OS Siemreap" panose="02000500000000020004" pitchFamily="2" charset="0"/>
-                <a:cs typeface="Khmer OS Siemreap" panose="02000500000000020004" pitchFamily="2" charset="0"/>
-              </a:rPr>
-              <a:t>សាច់ដុំនៃជើង និងស្នូលអាចភ្ជាប់បាន។</a:t>
-            </a:r>
+              <a:t>ខែលការពាររុំពាត់សរសៃប្រសាទនៃឆ្អឹងខ្នងខាងក្រោយ</a:t>
+            </a:r>
+          </a:p>
+          <a:p>
+            <a:pPr>
+              <a:buFont typeface="Wingdings" panose="05000000000000000000" pitchFamily="2" charset="2"/>
+              <a:buChar char="Ø"/>
+            </a:pPr>
             <a:endParaRPr lang="en-US" sz="2400" dirty="0">
               <a:latin typeface="Khmer OS Siemreap" panose="02000500000000020004" pitchFamily="2" charset="0"/>
               <a:cs typeface="Khmer OS Siemreap" panose="02000500000000020004" pitchFamily="2" charset="0"/>
@@ -5528,46 +6517,35 @@
           </a:p>
         </p:txBody>
       </p:sp>
-      <p:pic>
-        <p:nvPicPr>
-          <p:cNvPr id="5" name="Picture 4"/>
-          <p:cNvPicPr>
-            <a:picLocks noChangeAspect="1"/>
-          </p:cNvPicPr>
-          <p:nvPr/>
-        </p:nvPicPr>
-        <p:blipFill>
-          <a:blip r:embed="rId2">
-            <a:extLst>
-              <a:ext uri="{28A0092B-C50C-407E-A947-70E740481C1C}">
-                <a14:useLocalDpi xmlns:a14="http://schemas.microsoft.com/office/drawing/2010/main" val="0"/>
-              </a:ext>
-            </a:extLst>
-          </a:blip>
-          <a:stretch>
-            <a:fillRect/>
-          </a:stretch>
-        </p:blipFill>
-        <p:spPr>
-          <a:xfrm>
-            <a:off x="6392733" y="1845734"/>
-            <a:ext cx="4762947" cy="4308764"/>
-          </a:xfrm>
-          <a:prstGeom prst="rect">
-            <a:avLst/>
-          </a:prstGeom>
-        </p:spPr>
-      </p:pic>
     </p:spTree>
     <p:extLst>
       <p:ext uri="{BB962C8B-B14F-4D97-AF65-F5344CB8AC3E}">
-        <p14:creationId xmlns:p14="http://schemas.microsoft.com/office/powerpoint/2010/main" val="1573821205"/>
+        <p14:creationId xmlns:p14="http://schemas.microsoft.com/office/powerpoint/2010/main" val="1824405844"/>
       </p:ext>
     </p:extLst>
   </p:cSld>
   <p:clrMapOvr>
     <a:masterClrMapping/>
   </p:clrMapOvr>
+  <mc:AlternateContent xmlns:mc="http://schemas.openxmlformats.org/markup-compatibility/2006">
+    <mc:Choice xmlns:p14="http://schemas.microsoft.com/office/powerpoint/2010/main" Requires="p14">
+      <p:transition spd="slow" p14:dur="2000">
+        <p14:conveyor dir="l"/>
+      </p:transition>
+    </mc:Choice>
+    <mc:Fallback>
+      <p:transition spd="slow">
+        <p:fade/>
+      </p:transition>
+    </mc:Fallback>
+  </mc:AlternateContent>
+  <p:timing>
+    <p:tnLst>
+      <p:par>
+        <p:cTn id="1" dur="indefinite" restart="never" nodeType="tmRoot"/>
+      </p:par>
+    </p:tnLst>
+  </p:timing>
 </p:sld>
 </file>
 
@@ -5604,18 +6582,10 @@
           <a:lstStyle/>
           <a:p>
             <a:r>
-              <a:rPr lang="km-KH" dirty="0"/>
-              <a:t>៤. មុខងារ</a:t>
-            </a:r>
-            <a:r>
-              <a:rPr lang="en-US" dirty="0"/>
-              <a:t> </a:t>
-            </a:r>
-            <a:r>
-              <a:rPr lang="km-KH" dirty="0"/>
-              <a:t>និងតួនាទី</a:t>
-            </a:r>
-            <a:endParaRPr lang="en-US" b="1" dirty="0"/>
+              <a:rPr lang="km-KH" dirty="0" smtClean="0"/>
+              <a:t>៥. ឯកសារយោង</a:t>
+            </a:r>
+            <a:endParaRPr lang="en-US" dirty="0"/>
           </a:p>
         </p:txBody>
       </p:sp>
@@ -5638,112 +6608,107 @@
           <a:p>
             <a:pPr>
               <a:lnSpc>
-                <a:spcPct val="150000"/>
+                <a:spcPct val="200000"/>
               </a:lnSpc>
               <a:buFont typeface="Wingdings" panose="05000000000000000000" pitchFamily="2" charset="2"/>
               <a:buChar char="Ø"/>
             </a:pPr>
             <a:r>
-              <a:rPr lang="km-KH" sz="2400" dirty="0" smtClean="0">
-                <a:latin typeface="Khmer OS Siemreap" panose="02000500000000020004" pitchFamily="2" charset="0"/>
-                <a:cs typeface="Khmer OS Siemreap" panose="02000500000000020004" pitchFamily="2" charset="0"/>
-              </a:rPr>
-              <a:t> ភ្ជាប់ឆ្អឹងកងខ្នងជាមួយនឹងឆ្អឹងត្រគៀក</a:t>
-            </a:r>
+              <a:rPr lang="en-US" sz="2400" dirty="0" smtClean="0">
+                <a:hlinkClick r:id="rId2"/>
+              </a:rPr>
+              <a:t> https</a:t>
+            </a:r>
+            <a:r>
+              <a:rPr lang="en-US" sz="2400" dirty="0">
+                <a:hlinkClick r:id="rId2"/>
+              </a:rPr>
+              <a:t>://</a:t>
+            </a:r>
+            <a:r>
+              <a:rPr lang="en-US" sz="2400" dirty="0" smtClean="0">
+                <a:hlinkClick r:id="rId2"/>
+              </a:rPr>
+              <a:t>www.anatomystandard.com/Columna_Vertebralis/Sacrum.html</a:t>
+            </a:r>
+            <a:endParaRPr lang="km-KH" sz="2400" dirty="0" smtClean="0"/>
           </a:p>
           <a:p>
             <a:pPr>
               <a:lnSpc>
-                <a:spcPct val="150000"/>
+                <a:spcPct val="200000"/>
               </a:lnSpc>
               <a:buFont typeface="Wingdings" panose="05000000000000000000" pitchFamily="2" charset="2"/>
               <a:buChar char="Ø"/>
             </a:pPr>
             <a:r>
-              <a:rPr lang="km-KH" sz="2400" dirty="0" smtClean="0">
-                <a:latin typeface="Khmer OS Siemreap" panose="02000500000000020004" pitchFamily="2" charset="0"/>
-                <a:cs typeface="Khmer OS Siemreap" panose="02000500000000020004" pitchFamily="2" charset="0"/>
-              </a:rPr>
-              <a:t> ជួយផ្ដល់ជាថាមពលសម្រាប់ធ្វើចលនា</a:t>
-            </a:r>
+              <a:rPr lang="en-US" sz="2400" dirty="0" smtClean="0">
+                <a:hlinkClick r:id="rId3"/>
+              </a:rPr>
+              <a:t> https</a:t>
+            </a:r>
+            <a:r>
+              <a:rPr lang="en-US" sz="2400" dirty="0">
+                <a:hlinkClick r:id="rId3"/>
+              </a:rPr>
+              <a:t>://www.ncbi.nlm.nih.gov/books/NBK551653</a:t>
+            </a:r>
+            <a:r>
+              <a:rPr lang="en-US" sz="2400" dirty="0" smtClean="0">
+                <a:hlinkClick r:id="rId3"/>
+              </a:rPr>
+              <a:t>/</a:t>
+            </a:r>
+            <a:endParaRPr lang="km-KH" sz="2400" dirty="0" smtClean="0"/>
           </a:p>
           <a:p>
             <a:pPr>
               <a:lnSpc>
-                <a:spcPct val="150000"/>
+                <a:spcPct val="200000"/>
               </a:lnSpc>
               <a:buFont typeface="Wingdings" panose="05000000000000000000" pitchFamily="2" charset="2"/>
               <a:buChar char="Ø"/>
             </a:pPr>
             <a:r>
-              <a:rPr lang="km-KH" sz="2400" dirty="0" smtClean="0">
-                <a:latin typeface="Khmer OS Siemreap" panose="02000500000000020004" pitchFamily="2" charset="0"/>
-                <a:cs typeface="Khmer OS Siemreap" panose="02000500000000020004" pitchFamily="2" charset="0"/>
-              </a:rPr>
-              <a:t> ជួយដល់ការសម្រាលកូន</a:t>
-            </a:r>
-          </a:p>
-          <a:p>
-            <a:pPr>
-              <a:lnSpc>
-                <a:spcPct val="150000"/>
-              </a:lnSpc>
-              <a:buFont typeface="Wingdings" panose="05000000000000000000" pitchFamily="2" charset="2"/>
-              <a:buChar char="Ø"/>
-            </a:pPr>
-            <a:r>
-              <a:rPr lang="km-KH" sz="2400" dirty="0">
-                <a:latin typeface="Khmer OS Siemreap" panose="02000500000000020004" pitchFamily="2" charset="0"/>
-                <a:cs typeface="Khmer OS Siemreap" panose="02000500000000020004" pitchFamily="2" charset="0"/>
-              </a:rPr>
-              <a:t> </a:t>
-            </a:r>
-            <a:r>
-              <a:rPr lang="km-KH" sz="2400" dirty="0" smtClean="0">
-                <a:latin typeface="Khmer OS Siemreap" panose="02000500000000020004" pitchFamily="2" charset="0"/>
-                <a:cs typeface="Khmer OS Siemreap" panose="02000500000000020004" pitchFamily="2" charset="0"/>
-              </a:rPr>
-              <a:t>ជួយការពារឆ្អឹងខួរឆ្អឹងខ្នង</a:t>
-            </a:r>
-          </a:p>
-          <a:p>
-            <a:pPr>
-              <a:lnSpc>
-                <a:spcPct val="150000"/>
-              </a:lnSpc>
-              <a:buFont typeface="Wingdings" panose="05000000000000000000" pitchFamily="2" charset="2"/>
-              <a:buChar char="Ø"/>
-            </a:pPr>
-            <a:r>
-              <a:rPr lang="km-KH" sz="2400" dirty="0" smtClean="0">
-                <a:latin typeface="Khmer OS Siemreap" panose="02000500000000020004" pitchFamily="2" charset="0"/>
-                <a:cs typeface="Khmer OS Siemreap" panose="02000500000000020004" pitchFamily="2" charset="0"/>
-              </a:rPr>
-              <a:t>ជាខែលការពាររុំពាត់សរសៃប្រសាទនៃឆ្អឹងខ្នងខាងក្រោយ</a:t>
-            </a:r>
-          </a:p>
-          <a:p>
-            <a:pPr>
-              <a:buFont typeface="Wingdings" panose="05000000000000000000" pitchFamily="2" charset="2"/>
-              <a:buChar char="Ø"/>
-            </a:pPr>
-            <a:endParaRPr lang="en-US" sz="2400" dirty="0">
-              <a:latin typeface="Khmer OS Siemreap" panose="02000500000000020004" pitchFamily="2" charset="0"/>
-              <a:cs typeface="Khmer OS Siemreap" panose="02000500000000020004" pitchFamily="2" charset="0"/>
-            </a:endParaRPr>
+              <a:rPr lang="en-US" sz="2400" dirty="0" smtClean="0"/>
+              <a:t> https</a:t>
+            </a:r>
+            <a:r>
+              <a:rPr lang="en-US" sz="2400" dirty="0"/>
+              <a:t>://youtu.be/ENR0EqY9B8M</a:t>
+            </a:r>
           </a:p>
         </p:txBody>
       </p:sp>
     </p:spTree>
     <p:extLst>
       <p:ext uri="{BB962C8B-B14F-4D97-AF65-F5344CB8AC3E}">
-        <p14:creationId xmlns:p14="http://schemas.microsoft.com/office/powerpoint/2010/main" val="1824405844"/>
+        <p14:creationId xmlns:p14="http://schemas.microsoft.com/office/powerpoint/2010/main" val="2264849002"/>
       </p:ext>
     </p:extLst>
   </p:cSld>
   <p:clrMapOvr>
     <a:masterClrMapping/>
   </p:clrMapOvr>
+  <mc:AlternateContent xmlns:mc="http://schemas.openxmlformats.org/markup-compatibility/2006">
+    <mc:Choice xmlns:p14="http://schemas.microsoft.com/office/powerpoint/2010/main" Requires="p14">
+      <p:transition spd="slow" p14:dur="3400">
+        <p14:reveal/>
+      </p:transition>
+    </mc:Choice>
+    <mc:Fallback>
+      <p:transition spd="slow">
+        <p:fade/>
+      </p:transition>
+    </mc:Fallback>
+  </mc:AlternateContent>
+  <p:timing>
+    <p:tnLst>
+      <p:par>
+        <p:cTn id="1" dur="indefinite" restart="never" nodeType="tmRoot"/>
+      </p:par>
+    </p:tnLst>
+  </p:timing>
 </p:sld>
 </file>
 
